--- a/documentation 2.pptx
+++ b/documentation 2.pptx
@@ -65,15 +65,14 @@
     <p:sldId id="336" r:id="rId59"/>
     <p:sldId id="335" r:id="rId60"/>
     <p:sldId id="334" r:id="rId61"/>
-    <p:sldId id="333" r:id="rId62"/>
-    <p:sldId id="331" r:id="rId63"/>
-    <p:sldId id="330" r:id="rId64"/>
-    <p:sldId id="329" r:id="rId65"/>
-    <p:sldId id="328" r:id="rId66"/>
-    <p:sldId id="327" r:id="rId67"/>
-    <p:sldId id="326" r:id="rId68"/>
-    <p:sldId id="325" r:id="rId69"/>
-    <p:sldId id="275" r:id="rId70"/>
+    <p:sldId id="331" r:id="rId62"/>
+    <p:sldId id="330" r:id="rId63"/>
+    <p:sldId id="329" r:id="rId64"/>
+    <p:sldId id="328" r:id="rId65"/>
+    <p:sldId id="327" r:id="rId66"/>
+    <p:sldId id="326" r:id="rId67"/>
+    <p:sldId id="325" r:id="rId68"/>
+    <p:sldId id="275" r:id="rId69"/>
   </p:sldIdLst>
   <p:sldSz cx="9144000" cy="5143500" type="screen16x9"/>
   <p:notesSz cx="6858000" cy="9144000"/>
@@ -206,7 +205,7 @@
 <file path=ppt/revisionInfo.xml><?xml version="1.0" encoding="utf-8"?>
 <p1510:revInfo xmlns:a="http://schemas.openxmlformats.org/drawingml/2006/main" xmlns:r="http://schemas.openxmlformats.org/officeDocument/2006/relationships" xmlns:p1510="http://schemas.microsoft.com/office/powerpoint/2015/10/main">
   <p1510:revLst>
-    <p1510:client id="{E22A38DD-3ECF-4001-B758-E416783AD954}" v="1313" dt="2025-04-16T10:25:09.625"/>
+    <p1510:client id="{F35387C8-7E36-46C5-B78C-28BF7643A83E}" v="588" dt="2025-05-28T15:03:01.017"/>
   </p1510:revLst>
 </p1510:revInfo>
 </file>
@@ -13276,19 +13275,7 @@
               <a:rPr lang="hu-HU" sz="1000" dirty="0">
                 <a:latin typeface="Raleway"/>
               </a:rPr>
-              <a:t>Új diákok </a:t>
-            </a:r>
-            <a:r>
-              <a:rPr lang="hu-HU" sz="1000" dirty="0" err="1">
-                <a:latin typeface="Raleway"/>
-              </a:rPr>
-              <a:t>könyebb</a:t>
-            </a:r>
-            <a:r>
-              <a:rPr lang="hu-HU" sz="1000" dirty="0">
-                <a:latin typeface="Raleway"/>
-              </a:rPr>
-              <a:t> beilleszkedése</a:t>
+              <a:t>Új diákok könnyebb beilleszkedése</a:t>
             </a:r>
             <a:endParaRPr lang="hu-HU" sz="1000" dirty="0">
               <a:latin typeface="Raleway" pitchFamily="2" charset="-18"/>
@@ -13312,7 +13299,7 @@
               <a:rPr lang="hu-HU" sz="1000" dirty="0">
                 <a:latin typeface="Raleway"/>
               </a:rPr>
-              <a:t>Külsős programok, nem éppen az iskolai közösség megsegítésére van kitalálva</a:t>
+              <a:t>Külsős programok, nem éppen az iskolai közösség megsegítésére vannak kitalálva</a:t>
             </a:r>
             <a:endParaRPr lang="hu-HU" sz="1000" dirty="0">
               <a:latin typeface="Raleway" pitchFamily="2" charset="-18"/>
@@ -13322,9 +13309,9 @@
             <a:pPr algn="just"/>
             <a:r>
               <a:rPr lang="hu-HU" sz="1200" dirty="0">
-                <a:latin typeface="Raleway" pitchFamily="2" charset="-18"/>
-              </a:rPr>
-              <a:t>Cél: egyszerű, hasznos funkcióközpontú rendszer</a:t>
+                <a:latin typeface="Raleway"/>
+              </a:rPr>
+              <a:t>Cél: egyszerű és hasznos kommunikációs rendszer</a:t>
             </a:r>
           </a:p>
           <a:p>
@@ -13485,7 +13472,7 @@
               <a:rPr lang="hu-HU" sz="1000" dirty="0">
                 <a:latin typeface="Raleway"/>
               </a:rPr>
-              <a:t>Iskolai számítógépek, otthoni számítógép</a:t>
+              <a:t>Iskolai számítógépek és otthoni számítógép</a:t>
             </a:r>
             <a:endParaRPr lang="hu-HU" sz="1000" dirty="0">
               <a:latin typeface="Raleway" pitchFamily="2" charset="-18"/>
@@ -13497,7 +13484,7 @@
               <a:rPr lang="hu-HU" sz="1000" dirty="0">
                 <a:latin typeface="Raleway"/>
               </a:rPr>
-              <a:t>Különösebb hardver erőforrást nem igényelt</a:t>
+              <a:t>Erősebb hardver erőforrást nem igényelt</a:t>
             </a:r>
           </a:p>
           <a:p>
@@ -13924,7 +13911,7 @@
         </p:spPr>
         <p:txBody>
           <a:bodyPr lIns="91440" tIns="91440" rIns="91440" bIns="91440" anchor="t">
-            <a:normAutofit lnSpcReduction="10000"/>
+            <a:normAutofit/>
           </a:bodyPr>
           <a:lstStyle/>
           <a:p>
@@ -13972,19 +13959,7 @@
               <a:rPr lang="hu-HU" sz="1000" dirty="0">
                 <a:latin typeface="Raleway"/>
               </a:rPr>
-              <a:t>JavaScript – dinamikus elemek, csevegés ablakának </a:t>
-            </a:r>
-            <a:r>
-              <a:rPr lang="hu-HU" sz="1000" dirty="0" err="1">
-                <a:latin typeface="Raleway"/>
-              </a:rPr>
-              <a:t>frissitésének</a:t>
-            </a:r>
-            <a:r>
-              <a:rPr lang="hu-HU" sz="1000" dirty="0">
-                <a:latin typeface="Raleway"/>
-              </a:rPr>
-              <a:t> megvalósítása</a:t>
+              <a:t>JavaScript – dinamikus elemek, csevegés folyamatos frissítése</a:t>
             </a:r>
           </a:p>
           <a:p>
@@ -14531,7 +14506,7 @@
               <a:rPr lang="hu-HU" sz="1000" dirty="0" err="1">
                 <a:latin typeface="Raleway"/>
               </a:rPr>
-              <a:t>user</a:t>
+              <a:t>friendship</a:t>
             </a:r>
           </a:p>
           <a:p>
@@ -14937,6 +14912,24 @@
               <a:t> – jogosultságok</a:t>
             </a:r>
           </a:p>
+          <a:p>
+            <a:pPr algn="just"/>
+            <a:r>
+              <a:rPr lang="hu-HU" sz="1200" dirty="0" err="1">
+                <a:latin typeface="Raleway"/>
+              </a:rPr>
+              <a:t>uosztaly</a:t>
+            </a:r>
+            <a:r>
+              <a:rPr lang="hu-HU" sz="1200" dirty="0">
+                <a:latin typeface="Raleway"/>
+              </a:rPr>
+              <a:t> – osztály lekérése</a:t>
+            </a:r>
+            <a:endParaRPr lang="hu-HU" sz="1200" dirty="0">
+              <a:latin typeface="Raleway" pitchFamily="2" charset="-18"/>
+            </a:endParaRPr>
+          </a:p>
         </p:txBody>
       </p:sp>
       <p:sp>
@@ -15028,8 +15021,38 @@
         </p:blipFill>
         <p:spPr>
           <a:xfrm>
-            <a:off x="1746299" y="3588564"/>
+            <a:off x="3339203" y="3552085"/>
             <a:ext cx="2461318" cy="1303459"/>
+          </a:xfrm>
+          <a:prstGeom prst="rect">
+            <a:avLst/>
+          </a:prstGeom>
+        </p:spPr>
+      </p:pic>
+      <p:pic>
+        <p:nvPicPr>
+          <p:cNvPr id="2" name="Kép 1" descr="A képen szöveg, képernyőkép, Betűtípus, tervezés látható&#10;&#10;Lehet, hogy az AI által létrehozott tartalom helytelen.">
+            <a:extLst>
+              <a:ext uri="{FF2B5EF4-FFF2-40B4-BE49-F238E27FC236}">
+                <a16:creationId xmlns:a16="http://schemas.microsoft.com/office/drawing/2014/main" id="{31FA0440-C69E-CC0B-5851-D94A0CBCA1ED}"/>
+              </a:ext>
+            </a:extLst>
+          </p:cNvPr>
+          <p:cNvPicPr>
+            <a:picLocks noChangeAspect="1"/>
+          </p:cNvPicPr>
+          <p:nvPr/>
+        </p:nvPicPr>
+        <p:blipFill>
+          <a:blip r:embed="rId3"/>
+          <a:stretch>
+            <a:fillRect/>
+          </a:stretch>
+        </p:blipFill>
+        <p:spPr>
+          <a:xfrm>
+            <a:off x="5800725" y="3553106"/>
+            <a:ext cx="591671" cy="1304924"/>
           </a:xfrm>
           <a:prstGeom prst="rect">
             <a:avLst/>
@@ -15818,10 +15841,10 @@
       </p:sp>
       <p:pic>
         <p:nvPicPr>
-          <p:cNvPr id="2" name="Kép 1" descr="A képen szöveg, képernyőkép, tervezés látható&#10;&#10;Lehet, hogy az AI által létrehozott tartalom helytelen.">
+          <p:cNvPr id="3" name="Kép 2" descr="A képen szöveg, képernyőkép, diagram, tervezés látható&#10;&#10;Lehet, hogy az AI által létrehozott tartalom helytelen.">
             <a:extLst>
               <a:ext uri="{FF2B5EF4-FFF2-40B4-BE49-F238E27FC236}">
-                <a16:creationId xmlns:a16="http://schemas.microsoft.com/office/drawing/2014/main" id="{33A049EC-DE86-A723-BF24-63C0137E452A}"/>
+                <a16:creationId xmlns:a16="http://schemas.microsoft.com/office/drawing/2014/main" id="{7A9253CE-4497-43F8-D674-570B9FF6A639}"/>
               </a:ext>
             </a:extLst>
           </p:cNvPr>
@@ -15838,8 +15861,8 @@
         </p:blipFill>
         <p:spPr>
           <a:xfrm>
-            <a:off x="1376106" y="1207873"/>
-            <a:ext cx="2690939" cy="3184955"/>
+            <a:off x="888966" y="1317591"/>
+            <a:ext cx="4566326" cy="3323010"/>
           </a:xfrm>
           <a:prstGeom prst="rect">
             <a:avLst/>
@@ -16115,7 +16138,7 @@
         </p:nvSpPr>
         <p:spPr>
           <a:xfrm>
-            <a:off x="714240" y="752400"/>
+            <a:off x="218737" y="776719"/>
             <a:ext cx="6724713" cy="1018800"/>
           </a:xfrm>
           <a:prstGeom prst="rect">
@@ -16212,10 +16235,13 @@
             <a:pPr algn="just"/>
             <a:r>
               <a:rPr lang="hu-HU" sz="1200" dirty="0">
-                <a:latin typeface="Raleway" pitchFamily="2" charset="-18"/>
-              </a:rPr>
-              <a:t>További jogosultságellenőrzések: Osztály beállítva-e</a:t>
-            </a:r>
+                <a:latin typeface="Raleway"/>
+              </a:rPr>
+              <a:t>További jogosultságellenőrzések: Osztály beállítva</a:t>
+            </a:r>
+            <a:endParaRPr lang="hu-HU" sz="1200" dirty="0">
+              <a:latin typeface="Raleway" pitchFamily="2" charset="-18"/>
+            </a:endParaRPr>
           </a:p>
           <a:p>
             <a:pPr lvl="1" algn="just"/>
@@ -16253,7 +16279,7 @@
         </p:blipFill>
         <p:spPr>
           <a:xfrm>
-            <a:off x="5986735" y="752400"/>
+            <a:off x="6096171" y="776719"/>
             <a:ext cx="2786760" cy="4064040"/>
           </a:xfrm>
           <a:prstGeom prst="rect">
@@ -16281,251 +16307,6 @@
 </file>
 
 <file path=ppt/slides/slide57.xml><?xml version="1.0" encoding="utf-8"?>
-<p:sld xmlns:a="http://schemas.openxmlformats.org/drawingml/2006/main" xmlns:r="http://schemas.openxmlformats.org/officeDocument/2006/relationships" xmlns:p="http://schemas.openxmlformats.org/presentationml/2006/main">
-  <p:cSld>
-    <p:spTree>
-      <p:nvGrpSpPr>
-        <p:cNvPr id="1" name="">
-          <a:extLst>
-            <a:ext uri="{FF2B5EF4-FFF2-40B4-BE49-F238E27FC236}">
-              <a16:creationId xmlns:a16="http://schemas.microsoft.com/office/drawing/2014/main" id="{320A136F-519E-5490-2D05-3F66DA36ADAB}"/>
-            </a:ext>
-          </a:extLst>
-        </p:cNvPr>
-        <p:cNvGrpSpPr/>
-        <p:nvPr/>
-      </p:nvGrpSpPr>
-      <p:grpSpPr>
-        <a:xfrm>
-          <a:off x="0" y="0"/>
-          <a:ext cx="0" cy="0"/>
-          <a:chOff x="0" y="0"/>
-          <a:chExt cx="0" cy="0"/>
-        </a:xfrm>
-      </p:grpSpPr>
-      <p:sp>
-        <p:nvSpPr>
-          <p:cNvPr id="202" name="PlaceHolder 1">
-            <a:extLst>
-              <a:ext uri="{FF2B5EF4-FFF2-40B4-BE49-F238E27FC236}">
-                <a16:creationId xmlns:a16="http://schemas.microsoft.com/office/drawing/2014/main" id="{D0B7FF54-99EB-7DD9-3AEF-E0EF124697F5}"/>
-              </a:ext>
-            </a:extLst>
-          </p:cNvPr>
-          <p:cNvSpPr>
-            <a:spLocks noGrp="1"/>
-          </p:cNvSpPr>
-          <p:nvPr>
-            <p:ph type="title"/>
-          </p:nvPr>
-        </p:nvSpPr>
-        <p:spPr>
-          <a:xfrm>
-            <a:off x="714240" y="752400"/>
-            <a:ext cx="6724713" cy="1018800"/>
-          </a:xfrm>
-          <a:prstGeom prst="rect">
-            <a:avLst/>
-          </a:prstGeom>
-          <a:noFill/>
-          <a:ln w="0">
-            <a:noFill/>
-          </a:ln>
-        </p:spPr>
-        <p:txBody>
-          <a:bodyPr lIns="91440" tIns="91440" rIns="91440" bIns="91440" anchor="b">
-            <a:noAutofit/>
-          </a:bodyPr>
-          <a:lstStyle/>
-          <a:p>
-            <a:pPr indent="0">
-              <a:lnSpc>
-                <a:spcPct val="100000"/>
-              </a:lnSpc>
-              <a:buNone/>
-              <a:tabLst>
-                <a:tab pos="0" algn="l"/>
-              </a:tabLst>
-            </a:pPr>
-            <a:r>
-              <a:rPr lang="hu-HU" sz="3200" dirty="0">
-                <a:latin typeface="Inter"/>
-              </a:rPr>
-              <a:t>3.2.6.2 Fájlkezelés</a:t>
-            </a:r>
-            <a:endParaRPr lang="fr-FR" sz="3000" b="0" strike="noStrike" spc="-1" dirty="0">
-              <a:solidFill>
-                <a:schemeClr val="dk1"/>
-              </a:solidFill>
-              <a:latin typeface="Inter"/>
-            </a:endParaRPr>
-          </a:p>
-        </p:txBody>
-      </p:sp>
-      <p:sp>
-        <p:nvSpPr>
-          <p:cNvPr id="203" name="PlaceHolder 2">
-            <a:extLst>
-              <a:ext uri="{FF2B5EF4-FFF2-40B4-BE49-F238E27FC236}">
-                <a16:creationId xmlns:a16="http://schemas.microsoft.com/office/drawing/2014/main" id="{8553DDF8-7A86-ADC8-3BD3-FB8AE51E09BE}"/>
-              </a:ext>
-            </a:extLst>
-          </p:cNvPr>
-          <p:cNvSpPr>
-            <a:spLocks noGrp="1"/>
-          </p:cNvSpPr>
-          <p:nvPr>
-            <p:ph type="subTitle"/>
-          </p:nvPr>
-        </p:nvSpPr>
-        <p:spPr>
-          <a:xfrm>
-            <a:off x="714240" y="1852602"/>
-            <a:ext cx="5026542" cy="2746898"/>
-          </a:xfrm>
-          <a:prstGeom prst="rect">
-            <a:avLst/>
-          </a:prstGeom>
-          <a:noFill/>
-          <a:ln w="0">
-            <a:noFill/>
-          </a:ln>
-        </p:spPr>
-        <p:txBody>
-          <a:bodyPr lIns="91440" tIns="91440" rIns="91440" bIns="91440" anchor="t">
-            <a:normAutofit/>
-          </a:bodyPr>
-          <a:lstStyle/>
-          <a:p>
-            <a:pPr algn="just"/>
-            <a:r>
-              <a:rPr lang="hu-HU" sz="1200" dirty="0">
-                <a:latin typeface="Raleway"/>
-              </a:rPr>
-              <a:t>Fájlok feltöltése </a:t>
-            </a:r>
-            <a:r>
-              <a:rPr lang="hu-HU" sz="1200" dirty="0" err="1">
-                <a:latin typeface="Raleway"/>
-              </a:rPr>
-              <a:t>uz-files</a:t>
-            </a:r>
-            <a:r>
-              <a:rPr lang="hu-HU" sz="1200" dirty="0">
-                <a:latin typeface="Raleway"/>
-              </a:rPr>
-              <a:t>/ mappába történik</a:t>
-            </a:r>
-          </a:p>
-          <a:p>
-            <a:pPr lvl="1" algn="just"/>
-            <a:r>
-              <a:rPr lang="hu-HU" sz="1000" dirty="0">
-                <a:latin typeface="Raleway" pitchFamily="2" charset="-18"/>
-              </a:rPr>
-              <a:t>fájlnév ütközés elkerüléséhez egyedi név generálása</a:t>
-            </a:r>
-          </a:p>
-          <a:p>
-            <a:pPr lvl="1" algn="just"/>
-            <a:r>
-              <a:rPr lang="hu-HU" sz="1000" dirty="0">
-                <a:latin typeface="Raleway"/>
-              </a:rPr>
-              <a:t>egyedi fájlnév mentése az adatbázisba (</a:t>
-            </a:r>
-            <a:r>
-              <a:rPr lang="hu-HU" sz="1000" dirty="0" err="1">
-                <a:latin typeface="Raleway"/>
-              </a:rPr>
-              <a:t>uzfile</a:t>
-            </a:r>
-            <a:r>
-              <a:rPr lang="hu-HU" sz="1000" dirty="0">
-                <a:latin typeface="Raleway"/>
-              </a:rPr>
-              <a:t> mező)</a:t>
-            </a:r>
-          </a:p>
-          <a:p>
-            <a:pPr algn="just"/>
-            <a:r>
-              <a:rPr lang="hu-HU" sz="1200" dirty="0">
-                <a:latin typeface="Raleway" pitchFamily="2" charset="-18"/>
-              </a:rPr>
-              <a:t>Feltöltéskor ellenőrzések:</a:t>
-            </a:r>
-          </a:p>
-          <a:p>
-            <a:pPr lvl="1" algn="just"/>
-            <a:r>
-              <a:rPr lang="hu-HU" sz="1000" dirty="0">
-                <a:latin typeface="Raleway" pitchFamily="2" charset="-18"/>
-              </a:rPr>
-              <a:t>fájlméret</a:t>
-            </a:r>
-          </a:p>
-          <a:p>
-            <a:pPr algn="just"/>
-            <a:r>
-              <a:rPr lang="hu-HU" sz="1200" dirty="0">
-                <a:latin typeface="Raleway"/>
-              </a:rPr>
-              <a:t>Lekéréskor:</a:t>
-            </a:r>
-          </a:p>
-          <a:p>
-            <a:pPr lvl="1" algn="just"/>
-            <a:r>
-              <a:rPr lang="hu-HU" sz="1000" dirty="0">
-                <a:latin typeface="Raleway" pitchFamily="2" charset="-18"/>
-              </a:rPr>
-              <a:t>PHP közvetíti a fájlt a böngésző felé</a:t>
-            </a:r>
-          </a:p>
-          <a:p>
-            <a:pPr lvl="1" algn="just"/>
-            <a:r>
-              <a:rPr lang="hu-HU" sz="1000" dirty="0">
-                <a:latin typeface="Raleway" pitchFamily="2" charset="-18"/>
-              </a:rPr>
-              <a:t>biztonsági ellenőrzés: csak létező és jogos fájl kérhető le</a:t>
-            </a:r>
-          </a:p>
-          <a:p>
-            <a:pPr algn="just"/>
-            <a:r>
-              <a:rPr lang="hu-HU" sz="1200" dirty="0">
-                <a:latin typeface="Raleway" pitchFamily="2" charset="-18"/>
-              </a:rPr>
-              <a:t>Megjelenítéskor:</a:t>
-            </a:r>
-          </a:p>
-          <a:p>
-            <a:pPr lvl="1" algn="just"/>
-            <a:r>
-              <a:rPr lang="hu-HU" sz="1000" dirty="0">
-                <a:latin typeface="Raleway" pitchFamily="2" charset="-18"/>
-              </a:rPr>
-              <a:t>A fájl eredeti nevét mutatja</a:t>
-            </a:r>
-          </a:p>
-        </p:txBody>
-      </p:sp>
-    </p:spTree>
-    <p:extLst>
-      <p:ext uri="{BB962C8B-B14F-4D97-AF65-F5344CB8AC3E}">
-        <p14:creationId xmlns:p14="http://schemas.microsoft.com/office/powerpoint/2010/main" val="1709695997"/>
-      </p:ext>
-    </p:extLst>
-  </p:cSld>
-  <p:clrMapOvr>
-    <a:masterClrMapping/>
-  </p:clrMapOvr>
-</p:sld>
-</file>
-
-<file path=ppt/slides/slide58.xml><?xml version="1.0" encoding="utf-8"?>
 <p:sld xmlns:a="http://schemas.openxmlformats.org/drawingml/2006/main" xmlns:r="http://schemas.openxmlformats.org/officeDocument/2006/relationships" xmlns:p="http://schemas.openxmlformats.org/presentationml/2006/main">
   <p:cSld>
     <p:spTree>
@@ -16595,7 +16376,7 @@
               <a:rPr lang="hu-HU" sz="3200" dirty="0">
                 <a:latin typeface="Inter"/>
               </a:rPr>
-              <a:t>3.2.6.3 Üzenet küldés</a:t>
+              <a:t>3.2.6.2 Üzenet küldés</a:t>
             </a:r>
             <a:endParaRPr lang="hu-HU" sz="3200" b="0" strike="noStrike" dirty="0">
               <a:solidFill>
@@ -16745,7 +16526,7 @@
 </p:sld>
 </file>
 
-<file path=ppt/slides/slide59.xml><?xml version="1.0" encoding="utf-8"?>
+<file path=ppt/slides/slide58.xml><?xml version="1.0" encoding="utf-8"?>
 <p:sld xmlns:a="http://schemas.openxmlformats.org/drawingml/2006/main" xmlns:r="http://schemas.openxmlformats.org/officeDocument/2006/relationships" xmlns:p="http://schemas.openxmlformats.org/presentationml/2006/main">
   <p:cSld>
     <p:spTree>
@@ -16951,6 +16732,283 @@
     <p:extLst>
       <p:ext uri="{BB962C8B-B14F-4D97-AF65-F5344CB8AC3E}">
         <p14:creationId xmlns:p14="http://schemas.microsoft.com/office/powerpoint/2010/main" val="1371792685"/>
+      </p:ext>
+    </p:extLst>
+  </p:cSld>
+  <p:clrMapOvr>
+    <a:masterClrMapping/>
+  </p:clrMapOvr>
+</p:sld>
+</file>
+
+<file path=ppt/slides/slide59.xml><?xml version="1.0" encoding="utf-8"?>
+<p:sld xmlns:a="http://schemas.openxmlformats.org/drawingml/2006/main" xmlns:r="http://schemas.openxmlformats.org/officeDocument/2006/relationships" xmlns:p="http://schemas.openxmlformats.org/presentationml/2006/main">
+  <p:cSld>
+    <p:spTree>
+      <p:nvGrpSpPr>
+        <p:cNvPr id="1" name="">
+          <a:extLst>
+            <a:ext uri="{FF2B5EF4-FFF2-40B4-BE49-F238E27FC236}">
+              <a16:creationId xmlns:a16="http://schemas.microsoft.com/office/drawing/2014/main" id="{1B36A940-97FB-4100-32FE-2C855F80AC5A}"/>
+            </a:ext>
+          </a:extLst>
+        </p:cNvPr>
+        <p:cNvGrpSpPr/>
+        <p:nvPr/>
+      </p:nvGrpSpPr>
+      <p:grpSpPr>
+        <a:xfrm>
+          <a:off x="0" y="0"/>
+          <a:ext cx="0" cy="0"/>
+          <a:chOff x="0" y="0"/>
+          <a:chExt cx="0" cy="0"/>
+        </a:xfrm>
+      </p:grpSpPr>
+      <p:sp>
+        <p:nvSpPr>
+          <p:cNvPr id="202" name="PlaceHolder 1">
+            <a:extLst>
+              <a:ext uri="{FF2B5EF4-FFF2-40B4-BE49-F238E27FC236}">
+                <a16:creationId xmlns:a16="http://schemas.microsoft.com/office/drawing/2014/main" id="{08795B16-01AA-240B-4554-64A1F7E243D5}"/>
+              </a:ext>
+            </a:extLst>
+          </p:cNvPr>
+          <p:cNvSpPr>
+            <a:spLocks noGrp="1"/>
+          </p:cNvSpPr>
+          <p:nvPr>
+            <p:ph type="title"/>
+          </p:nvPr>
+        </p:nvSpPr>
+        <p:spPr>
+          <a:xfrm>
+            <a:off x="714240" y="752400"/>
+            <a:ext cx="6724713" cy="1018800"/>
+          </a:xfrm>
+          <a:prstGeom prst="rect">
+            <a:avLst/>
+          </a:prstGeom>
+          <a:noFill/>
+          <a:ln w="0">
+            <a:noFill/>
+          </a:ln>
+        </p:spPr>
+        <p:txBody>
+          <a:bodyPr lIns="91440" tIns="91440" rIns="91440" bIns="91440" anchor="b">
+            <a:noAutofit/>
+          </a:bodyPr>
+          <a:lstStyle/>
+          <a:p>
+            <a:pPr indent="0">
+              <a:lnSpc>
+                <a:spcPct val="100000"/>
+              </a:lnSpc>
+              <a:buNone/>
+              <a:tabLst>
+                <a:tab pos="0" algn="l"/>
+              </a:tabLst>
+            </a:pPr>
+            <a:r>
+              <a:rPr lang="hu-HU" sz="3200" dirty="0">
+                <a:latin typeface="Inter"/>
+              </a:rPr>
+              <a:t>3.2.7.1 Platformok és böngészők</a:t>
+            </a:r>
+            <a:endParaRPr lang="fr-FR" sz="3000" b="0" strike="noStrike" spc="-1" dirty="0">
+              <a:solidFill>
+                <a:schemeClr val="dk1"/>
+              </a:solidFill>
+              <a:latin typeface="Inter"/>
+            </a:endParaRPr>
+          </a:p>
+        </p:txBody>
+      </p:sp>
+      <p:sp>
+        <p:nvSpPr>
+          <p:cNvPr id="203" name="PlaceHolder 2">
+            <a:extLst>
+              <a:ext uri="{FF2B5EF4-FFF2-40B4-BE49-F238E27FC236}">
+                <a16:creationId xmlns:a16="http://schemas.microsoft.com/office/drawing/2014/main" id="{4F32AA46-69DD-3E59-9668-C6B5140433A6}"/>
+              </a:ext>
+            </a:extLst>
+          </p:cNvPr>
+          <p:cNvSpPr>
+            <a:spLocks noGrp="1"/>
+          </p:cNvSpPr>
+          <p:nvPr>
+            <p:ph type="subTitle"/>
+          </p:nvPr>
+        </p:nvSpPr>
+        <p:spPr>
+          <a:xfrm>
+            <a:off x="714240" y="1852602"/>
+            <a:ext cx="5026542" cy="2746898"/>
+          </a:xfrm>
+          <a:prstGeom prst="rect">
+            <a:avLst/>
+          </a:prstGeom>
+          <a:noFill/>
+          <a:ln w="0">
+            <a:noFill/>
+          </a:ln>
+        </p:spPr>
+        <p:txBody>
+          <a:bodyPr lIns="91440" tIns="91440" rIns="91440" bIns="91440" anchor="t">
+            <a:normAutofit/>
+          </a:bodyPr>
+          <a:lstStyle/>
+          <a:p>
+            <a:pPr algn="just"/>
+            <a:r>
+              <a:rPr lang="hu-HU" sz="1200" dirty="0">
+                <a:latin typeface="Raleway" pitchFamily="2" charset="-18"/>
+              </a:rPr>
+              <a:t>Asztali környezet:</a:t>
+            </a:r>
+          </a:p>
+          <a:p>
+            <a:pPr lvl="1" algn="just"/>
+            <a:r>
+              <a:rPr lang="hu-HU" sz="1000" dirty="0">
+                <a:latin typeface="Raleway" pitchFamily="2" charset="-18"/>
+              </a:rPr>
+              <a:t>Windows 10, 11 (Chrome, Edge, </a:t>
+            </a:r>
+            <a:r>
+              <a:rPr lang="hu-HU" sz="1000" dirty="0" err="1">
+                <a:latin typeface="Raleway" pitchFamily="2" charset="-18"/>
+              </a:rPr>
+              <a:t>OperaGX</a:t>
+            </a:r>
+            <a:r>
+              <a:rPr lang="hu-HU" sz="1000" dirty="0">
+                <a:latin typeface="Raleway" pitchFamily="2" charset="-18"/>
+              </a:rPr>
+              <a:t>)</a:t>
+            </a:r>
+          </a:p>
+          <a:p>
+            <a:pPr lvl="1" algn="just"/>
+            <a:r>
+              <a:rPr lang="hu-HU" sz="1000" dirty="0">
+                <a:latin typeface="Raleway"/>
+              </a:rPr>
+              <a:t>Felbontások: </a:t>
+            </a:r>
+            <a:r>
+              <a:rPr lang="hu-HU" sz="1000" dirty="0">
+                <a:solidFill>
+                  <a:srgbClr val="FFFFFF"/>
+                </a:solidFill>
+                <a:latin typeface="Raleway"/>
+                <a:ea typeface="+mn-lt"/>
+                <a:cs typeface="+mn-lt"/>
+              </a:rPr>
+              <a:t>3840×2160</a:t>
+            </a:r>
+            <a:r>
+              <a:rPr lang="hu-HU" sz="1000" dirty="0">
+                <a:latin typeface="Raleway"/>
+              </a:rPr>
+              <a:t>, 1366×768</a:t>
+            </a:r>
+          </a:p>
+          <a:p>
+            <a:pPr algn="just"/>
+            <a:r>
+              <a:rPr lang="hu-HU" sz="1200" dirty="0">
+                <a:latin typeface="Raleway" pitchFamily="2" charset="-18"/>
+              </a:rPr>
+              <a:t>Mobilkörnyezet:</a:t>
+            </a:r>
+          </a:p>
+          <a:p>
+            <a:pPr lvl="1" algn="just"/>
+            <a:r>
+              <a:rPr lang="hu-HU" sz="1000" dirty="0">
+                <a:latin typeface="Raleway" pitchFamily="2" charset="-18"/>
+              </a:rPr>
+              <a:t>Android (Chrome) 1080 x 2340</a:t>
+            </a:r>
+          </a:p>
+          <a:p>
+            <a:pPr lvl="1" algn="just"/>
+            <a:r>
+              <a:rPr lang="hu-HU" sz="1000" dirty="0">
+                <a:latin typeface="Raleway" pitchFamily="2" charset="-18"/>
+              </a:rPr>
+              <a:t>iOS (</a:t>
+            </a:r>
+            <a:r>
+              <a:rPr lang="hu-HU" sz="1000" dirty="0" err="1">
+                <a:latin typeface="Raleway" pitchFamily="2" charset="-18"/>
+              </a:rPr>
+              <a:t>Safari</a:t>
+            </a:r>
+            <a:r>
+              <a:rPr lang="hu-HU" sz="1000" dirty="0">
+                <a:latin typeface="Raleway" pitchFamily="2" charset="-18"/>
+              </a:rPr>
+              <a:t>) 375×667, </a:t>
+            </a:r>
+          </a:p>
+          <a:p>
+            <a:pPr algn="just"/>
+            <a:r>
+              <a:rPr lang="hu-HU" sz="1200" dirty="0">
+                <a:latin typeface="Raleway" pitchFamily="2" charset="-18"/>
+              </a:rPr>
+              <a:t>Tesztelés célja:</a:t>
+            </a:r>
+          </a:p>
+          <a:p>
+            <a:pPr lvl="1" algn="just"/>
+            <a:r>
+              <a:rPr lang="hu-HU" sz="1000" dirty="0" err="1">
+                <a:latin typeface="Raleway" pitchFamily="2" charset="-18"/>
+              </a:rPr>
+              <a:t>reszponzivitás</a:t>
+            </a:r>
+            <a:r>
+              <a:rPr lang="hu-HU" sz="1000" dirty="0">
+                <a:latin typeface="Raleway" pitchFamily="2" charset="-18"/>
+              </a:rPr>
+              <a:t> ellenőrzése</a:t>
+            </a:r>
+          </a:p>
+          <a:p>
+            <a:pPr lvl="1" algn="just"/>
+            <a:r>
+              <a:rPr lang="hu-HU" sz="1000" dirty="0">
+                <a:latin typeface="Raleway" pitchFamily="2" charset="-18"/>
+              </a:rPr>
+              <a:t>funkciók egyenletes elérhetősége minden platformon</a:t>
+            </a:r>
+          </a:p>
+          <a:p>
+            <a:pPr lvl="1" algn="just"/>
+            <a:r>
+              <a:rPr lang="hu-HU" sz="1000" dirty="0">
+                <a:latin typeface="Raleway" pitchFamily="2" charset="-18"/>
+              </a:rPr>
+              <a:t>hibamentes megjelenítés és működés</a:t>
+            </a:r>
+          </a:p>
+          <a:p>
+            <a:pPr lvl="1" algn="just"/>
+            <a:r>
+              <a:rPr lang="hu-HU" sz="1000" dirty="0">
+                <a:latin typeface="Raleway" pitchFamily="2" charset="-18"/>
+              </a:rPr>
+              <a:t>automatikusan átrendeződés kisebb képernyőn</a:t>
+            </a:r>
+          </a:p>
+        </p:txBody>
+      </p:sp>
+    </p:spTree>
+    <p:extLst>
+      <p:ext uri="{BB962C8B-B14F-4D97-AF65-F5344CB8AC3E}">
+        <p14:creationId xmlns:p14="http://schemas.microsoft.com/office/powerpoint/2010/main" val="1044646913"/>
       </p:ext>
     </p:extLst>
   </p:cSld>
@@ -17194,266 +17252,6 @@
         <p:cNvPr id="1" name="">
           <a:extLst>
             <a:ext uri="{FF2B5EF4-FFF2-40B4-BE49-F238E27FC236}">
-              <a16:creationId xmlns:a16="http://schemas.microsoft.com/office/drawing/2014/main" id="{1B36A940-97FB-4100-32FE-2C855F80AC5A}"/>
-            </a:ext>
-          </a:extLst>
-        </p:cNvPr>
-        <p:cNvGrpSpPr/>
-        <p:nvPr/>
-      </p:nvGrpSpPr>
-      <p:grpSpPr>
-        <a:xfrm>
-          <a:off x="0" y="0"/>
-          <a:ext cx="0" cy="0"/>
-          <a:chOff x="0" y="0"/>
-          <a:chExt cx="0" cy="0"/>
-        </a:xfrm>
-      </p:grpSpPr>
-      <p:sp>
-        <p:nvSpPr>
-          <p:cNvPr id="202" name="PlaceHolder 1">
-            <a:extLst>
-              <a:ext uri="{FF2B5EF4-FFF2-40B4-BE49-F238E27FC236}">
-                <a16:creationId xmlns:a16="http://schemas.microsoft.com/office/drawing/2014/main" id="{08795B16-01AA-240B-4554-64A1F7E243D5}"/>
-              </a:ext>
-            </a:extLst>
-          </p:cNvPr>
-          <p:cNvSpPr>
-            <a:spLocks noGrp="1"/>
-          </p:cNvSpPr>
-          <p:nvPr>
-            <p:ph type="title"/>
-          </p:nvPr>
-        </p:nvSpPr>
-        <p:spPr>
-          <a:xfrm>
-            <a:off x="714240" y="752400"/>
-            <a:ext cx="6724713" cy="1018800"/>
-          </a:xfrm>
-          <a:prstGeom prst="rect">
-            <a:avLst/>
-          </a:prstGeom>
-          <a:noFill/>
-          <a:ln w="0">
-            <a:noFill/>
-          </a:ln>
-        </p:spPr>
-        <p:txBody>
-          <a:bodyPr lIns="91440" tIns="91440" rIns="91440" bIns="91440" anchor="b">
-            <a:noAutofit/>
-          </a:bodyPr>
-          <a:lstStyle/>
-          <a:p>
-            <a:pPr indent="0">
-              <a:lnSpc>
-                <a:spcPct val="100000"/>
-              </a:lnSpc>
-              <a:buNone/>
-              <a:tabLst>
-                <a:tab pos="0" algn="l"/>
-              </a:tabLst>
-            </a:pPr>
-            <a:r>
-              <a:rPr lang="hu-HU" sz="3200" dirty="0">
-                <a:latin typeface="Inter"/>
-              </a:rPr>
-              <a:t>3.2.7.1 Platformok és böngészők</a:t>
-            </a:r>
-            <a:endParaRPr lang="fr-FR" sz="3000" b="0" strike="noStrike" spc="-1" dirty="0">
-              <a:solidFill>
-                <a:schemeClr val="dk1"/>
-              </a:solidFill>
-              <a:latin typeface="Inter"/>
-            </a:endParaRPr>
-          </a:p>
-        </p:txBody>
-      </p:sp>
-      <p:sp>
-        <p:nvSpPr>
-          <p:cNvPr id="203" name="PlaceHolder 2">
-            <a:extLst>
-              <a:ext uri="{FF2B5EF4-FFF2-40B4-BE49-F238E27FC236}">
-                <a16:creationId xmlns:a16="http://schemas.microsoft.com/office/drawing/2014/main" id="{4F32AA46-69DD-3E59-9668-C6B5140433A6}"/>
-              </a:ext>
-            </a:extLst>
-          </p:cNvPr>
-          <p:cNvSpPr>
-            <a:spLocks noGrp="1"/>
-          </p:cNvSpPr>
-          <p:nvPr>
-            <p:ph type="subTitle"/>
-          </p:nvPr>
-        </p:nvSpPr>
-        <p:spPr>
-          <a:xfrm>
-            <a:off x="714240" y="1852602"/>
-            <a:ext cx="5026542" cy="2746898"/>
-          </a:xfrm>
-          <a:prstGeom prst="rect">
-            <a:avLst/>
-          </a:prstGeom>
-          <a:noFill/>
-          <a:ln w="0">
-            <a:noFill/>
-          </a:ln>
-        </p:spPr>
-        <p:txBody>
-          <a:bodyPr lIns="91440" tIns="91440" rIns="91440" bIns="91440" anchor="t">
-            <a:normAutofit/>
-          </a:bodyPr>
-          <a:lstStyle/>
-          <a:p>
-            <a:pPr algn="just"/>
-            <a:r>
-              <a:rPr lang="hu-HU" sz="1200" dirty="0">
-                <a:latin typeface="Raleway" pitchFamily="2" charset="-18"/>
-              </a:rPr>
-              <a:t>Asztali környezet:</a:t>
-            </a:r>
-          </a:p>
-          <a:p>
-            <a:pPr lvl="1" algn="just"/>
-            <a:r>
-              <a:rPr lang="hu-HU" sz="1000" dirty="0">
-                <a:latin typeface="Raleway" pitchFamily="2" charset="-18"/>
-              </a:rPr>
-              <a:t>Windows 10, 11 (Chrome, Edge, </a:t>
-            </a:r>
-            <a:r>
-              <a:rPr lang="hu-HU" sz="1000" dirty="0" err="1">
-                <a:latin typeface="Raleway" pitchFamily="2" charset="-18"/>
-              </a:rPr>
-              <a:t>OperaGX</a:t>
-            </a:r>
-            <a:r>
-              <a:rPr lang="hu-HU" sz="1000" dirty="0">
-                <a:latin typeface="Raleway" pitchFamily="2" charset="-18"/>
-              </a:rPr>
-              <a:t>)</a:t>
-            </a:r>
-          </a:p>
-          <a:p>
-            <a:pPr lvl="1" algn="just"/>
-            <a:r>
-              <a:rPr lang="hu-HU" sz="1000" dirty="0">
-                <a:latin typeface="Raleway" pitchFamily="2" charset="-18"/>
-              </a:rPr>
-              <a:t>Felbontások: 1920×1080, 1366×768</a:t>
-            </a:r>
-          </a:p>
-          <a:p>
-            <a:pPr algn="just"/>
-            <a:r>
-              <a:rPr lang="hu-HU" sz="1200" dirty="0">
-                <a:latin typeface="Raleway" pitchFamily="2" charset="-18"/>
-              </a:rPr>
-              <a:t>Mobilkörnyezet:</a:t>
-            </a:r>
-          </a:p>
-          <a:p>
-            <a:pPr lvl="1" algn="just"/>
-            <a:r>
-              <a:rPr lang="hu-HU" sz="1000" dirty="0">
-                <a:latin typeface="Raleway" pitchFamily="2" charset="-18"/>
-              </a:rPr>
-              <a:t>Android (Chrome) 1080 x 2340</a:t>
-            </a:r>
-          </a:p>
-          <a:p>
-            <a:pPr lvl="1" algn="just"/>
-            <a:r>
-              <a:rPr lang="hu-HU" sz="1000" dirty="0">
-                <a:latin typeface="Raleway" pitchFamily="2" charset="-18"/>
-              </a:rPr>
-              <a:t>iOS (</a:t>
-            </a:r>
-            <a:r>
-              <a:rPr lang="hu-HU" sz="1000" dirty="0" err="1">
-                <a:latin typeface="Raleway" pitchFamily="2" charset="-18"/>
-              </a:rPr>
-              <a:t>Safari</a:t>
-            </a:r>
-            <a:r>
-              <a:rPr lang="hu-HU" sz="1000" dirty="0">
-                <a:latin typeface="Raleway" pitchFamily="2" charset="-18"/>
-              </a:rPr>
-              <a:t>) 375×667, </a:t>
-            </a:r>
-          </a:p>
-          <a:p>
-            <a:pPr algn="just"/>
-            <a:r>
-              <a:rPr lang="hu-HU" sz="1200" dirty="0">
-                <a:latin typeface="Raleway" pitchFamily="2" charset="-18"/>
-              </a:rPr>
-              <a:t>Tesztelés célja:</a:t>
-            </a:r>
-          </a:p>
-          <a:p>
-            <a:pPr lvl="1" algn="just"/>
-            <a:r>
-              <a:rPr lang="hu-HU" sz="1000" dirty="0" err="1">
-                <a:latin typeface="Raleway" pitchFamily="2" charset="-18"/>
-              </a:rPr>
-              <a:t>reszponzivitás</a:t>
-            </a:r>
-            <a:r>
-              <a:rPr lang="hu-HU" sz="1000" dirty="0">
-                <a:latin typeface="Raleway" pitchFamily="2" charset="-18"/>
-              </a:rPr>
-              <a:t> ellenőrzése</a:t>
-            </a:r>
-          </a:p>
-          <a:p>
-            <a:pPr lvl="1" algn="just"/>
-            <a:r>
-              <a:rPr lang="hu-HU" sz="1000" dirty="0">
-                <a:latin typeface="Raleway" pitchFamily="2" charset="-18"/>
-              </a:rPr>
-              <a:t>funkciók egyenletes elérhetősége minden platformon</a:t>
-            </a:r>
-          </a:p>
-          <a:p>
-            <a:pPr lvl="1" algn="just"/>
-            <a:r>
-              <a:rPr lang="hu-HU" sz="1000" dirty="0">
-                <a:latin typeface="Raleway" pitchFamily="2" charset="-18"/>
-              </a:rPr>
-              <a:t>hibamentes megjelenítés és működés</a:t>
-            </a:r>
-          </a:p>
-          <a:p>
-            <a:pPr lvl="1" algn="just"/>
-            <a:r>
-              <a:rPr lang="hu-HU" sz="1000" dirty="0">
-                <a:latin typeface="Raleway" pitchFamily="2" charset="-18"/>
-              </a:rPr>
-              <a:t>automatikusan átrendeződés kisebb képernyőn</a:t>
-            </a:r>
-          </a:p>
-        </p:txBody>
-      </p:sp>
-    </p:spTree>
-    <p:extLst>
-      <p:ext uri="{BB962C8B-B14F-4D97-AF65-F5344CB8AC3E}">
-        <p14:creationId xmlns:p14="http://schemas.microsoft.com/office/powerpoint/2010/main" val="1044646913"/>
-      </p:ext>
-    </p:extLst>
-  </p:cSld>
-  <p:clrMapOvr>
-    <a:masterClrMapping/>
-  </p:clrMapOvr>
-</p:sld>
-</file>
-
-<file path=ppt/slides/slide61.xml><?xml version="1.0" encoding="utf-8"?>
-<p:sld xmlns:a="http://schemas.openxmlformats.org/drawingml/2006/main" xmlns:r="http://schemas.openxmlformats.org/officeDocument/2006/relationships" xmlns:p="http://schemas.openxmlformats.org/presentationml/2006/main">
-  <p:cSld>
-    <p:spTree>
-      <p:nvGrpSpPr>
-        <p:cNvPr id="1" name="">
-          <a:extLst>
-            <a:ext uri="{FF2B5EF4-FFF2-40B4-BE49-F238E27FC236}">
               <a16:creationId xmlns:a16="http://schemas.microsoft.com/office/drawing/2014/main" id="{3997087E-8033-861B-67D3-83BE09649051}"/>
             </a:ext>
           </a:extLst>
@@ -17575,16 +17373,16 @@
             <a:pPr lvl="1" algn="just"/>
             <a:r>
               <a:rPr lang="hu-HU" sz="1000" dirty="0">
-                <a:latin typeface="Raleway" pitchFamily="2" charset="-18"/>
-              </a:rPr>
-              <a:t>kötelező mezők figyelése (pl. hozzászólás)</a:t>
+                <a:latin typeface="Raleway"/>
+              </a:rPr>
+              <a:t>kötelező mezők figyelése (pl. üzenet)</a:t>
             </a:r>
           </a:p>
           <a:p>
             <a:pPr lvl="1" algn="just"/>
             <a:r>
               <a:rPr lang="hu-HU" sz="1000" dirty="0">
-                <a:latin typeface="Raleway" pitchFamily="2" charset="-18"/>
+                <a:latin typeface="Raleway"/>
               </a:rPr>
               <a:t>hibajelzés üzenettel / utasítással</a:t>
             </a:r>
@@ -17595,49 +17393,49 @@
               <a:rPr lang="hu-HU" sz="1200" dirty="0">
                 <a:latin typeface="Raleway" pitchFamily="2" charset="-18"/>
               </a:rPr>
-              <a:t>Nagy fájlméret:</a:t>
+              <a:t>Osztályválasztás hiánya:</a:t>
             </a:r>
           </a:p>
           <a:p>
             <a:pPr lvl="1" algn="just"/>
             <a:r>
               <a:rPr lang="hu-HU" sz="1000" dirty="0">
-                <a:latin typeface="Raleway" pitchFamily="2" charset="-18"/>
-              </a:rPr>
-              <a:t>fájlméret-korlát beállítása (2 MB)</a:t>
+                <a:latin typeface="Raleway"/>
+              </a:rPr>
+              <a:t>profiloldalra irányításfigyelmeztetés: „Az osztály kiválasztása kötelező</a:t>
+            </a:r>
+            <a:r>
+              <a:rPr lang="hu-HU" sz="800" dirty="0">
+                <a:latin typeface="Raleway"/>
+              </a:rPr>
+              <a:t>!”</a:t>
+            </a:r>
+          </a:p>
+          <a:p>
+            <a:pPr algn="just"/>
+            <a:r>
+              <a:rPr lang="hu-HU" sz="1200" dirty="0">
+                <a:latin typeface="Raleway"/>
+              </a:rPr>
+              <a:t>Aktív csevegés:</a:t>
             </a:r>
           </a:p>
           <a:p>
             <a:pPr lvl="1" algn="just"/>
             <a:r>
-              <a:rPr lang="hu-HU" sz="1000" dirty="0">
-                <a:latin typeface="Raleway" pitchFamily="2" charset="-18"/>
-              </a:rPr>
-              <a:t>hibaüzenet és feltöltés megszakítása</a:t>
-            </a:r>
-          </a:p>
-          <a:p>
-            <a:pPr algn="just"/>
-            <a:r>
-              <a:rPr lang="hu-HU" sz="1200" dirty="0">
-                <a:latin typeface="Raleway" pitchFamily="2" charset="-18"/>
-              </a:rPr>
-              <a:t>Osztályválasztás hiánya:</a:t>
+              <a:rPr lang="hu-HU" sz="800" dirty="0">
+                <a:latin typeface="Raleway"/>
+              </a:rPr>
+              <a:t>Az URL-ben található felhasználói azonosító segítségével ellenőrzés hogy van-e aktív csevegés</a:t>
             </a:r>
           </a:p>
           <a:p>
             <a:pPr lvl="1" algn="just"/>
             <a:r>
-              <a:rPr lang="hu-HU" sz="1000" dirty="0">
-                <a:latin typeface="Raleway" pitchFamily="2" charset="-18"/>
-              </a:rPr>
-              <a:t>profiloldalra irányításfigyelmeztetés: „Az osztály kiválasztása kötelező</a:t>
-            </a:r>
-            <a:r>
               <a:rPr lang="hu-HU" sz="800" dirty="0">
-                <a:latin typeface="Raleway" pitchFamily="2" charset="-18"/>
-              </a:rPr>
-              <a:t>!”</a:t>
+                <a:latin typeface="Raleway"/>
+              </a:rPr>
+              <a:t>Üres URL esetén a program nem frissíti folyamatosan a csevegés ablakát</a:t>
             </a:r>
           </a:p>
         </p:txBody>
@@ -17655,7 +17453,7 @@
 </p:sld>
 </file>
 
-<file path=ppt/slides/slide62.xml><?xml version="1.0" encoding="utf-8"?>
+<file path=ppt/slides/slide61.xml><?xml version="1.0" encoding="utf-8"?>
 <p:sld xmlns:a="http://schemas.openxmlformats.org/drawingml/2006/main" xmlns:r="http://schemas.openxmlformats.org/officeDocument/2006/relationships" xmlns:p="http://schemas.openxmlformats.org/presentationml/2006/main">
   <p:cSld>
     <p:spTree>
@@ -17793,27 +17591,9 @@
             <a:pPr lvl="1" algn="just"/>
             <a:r>
               <a:rPr lang="hu-HU" sz="1000" dirty="0">
-                <a:latin typeface="Raleway" pitchFamily="2" charset="-18"/>
+                <a:latin typeface="Raleway"/>
               </a:rPr>
               <a:t>stabil működés</a:t>
-            </a:r>
-          </a:p>
-          <a:p>
-            <a:pPr algn="just"/>
-            <a:r>
-              <a:rPr lang="hu-HU" sz="1200" dirty="0">
-                <a:latin typeface="Raleway" pitchFamily="2" charset="-18"/>
-              </a:rPr>
-              <a:t>Nagy méretű fájlok:</a:t>
-            </a:r>
-          </a:p>
-          <a:p>
-            <a:pPr lvl="1" algn="just"/>
-            <a:r>
-              <a:rPr lang="hu-HU" sz="1000" dirty="0">
-                <a:latin typeface="Raleway" pitchFamily="2" charset="-18"/>
-              </a:rPr>
-              <a:t>visszajelzés lassabb feltöltésnél is megtörtént</a:t>
             </a:r>
           </a:p>
           <a:p>
@@ -17867,7 +17647,7 @@
 </p:sld>
 </file>
 
-<file path=ppt/slides/slide63.xml><?xml version="1.0" encoding="utf-8"?>
+<file path=ppt/slides/slide62.xml><?xml version="1.0" encoding="utf-8"?>
 <p:sld xmlns:a="http://schemas.openxmlformats.org/drawingml/2006/main" xmlns:r="http://schemas.openxmlformats.org/officeDocument/2006/relationships" xmlns:p="http://schemas.openxmlformats.org/presentationml/2006/main">
   <p:cSld>
     <p:spTree>
@@ -18044,7 +17824,7 @@
               <a:rPr lang="hu-HU" sz="1000" dirty="0">
                 <a:latin typeface="Raleway"/>
               </a:rPr>
-              <a:t>Osztálytársak megtekintése, barátok hozzáadása, barátok tiltása, csevegés</a:t>
+              <a:t>Osztálytársak megtekintése, barátok hozzáadása, csevegés</a:t>
             </a:r>
             <a:endParaRPr lang="hu-HU" sz="1000" dirty="0">
               <a:latin typeface="Raleway" pitchFamily="2" charset="-18"/>
@@ -18098,7 +17878,7 @@
 </p:sld>
 </file>
 
-<file path=ppt/slides/slide64.xml><?xml version="1.0" encoding="utf-8"?>
+<file path=ppt/slides/slide63.xml><?xml version="1.0" encoding="utf-8"?>
 <p:sld xmlns:a="http://schemas.openxmlformats.org/drawingml/2006/main" xmlns:r="http://schemas.openxmlformats.org/officeDocument/2006/relationships" xmlns:p="http://schemas.openxmlformats.org/presentationml/2006/main">
   <p:cSld>
     <p:spTree>
@@ -18139,7 +17919,7 @@
         </p:nvSpPr>
         <p:spPr>
           <a:xfrm>
-            <a:off x="714240" y="752400"/>
+            <a:off x="188338" y="776719"/>
             <a:ext cx="6724713" cy="1018800"/>
           </a:xfrm>
           <a:prstGeom prst="rect">
@@ -18256,7 +18036,7 @@
               <a:rPr lang="hu-HU" sz="1200" dirty="0">
                 <a:latin typeface="Raleway"/>
               </a:rPr>
-              <a:t> kimaradt. Lefejlesztése ajánlott</a:t>
+              <a:t> kimaradt. Lefejlesztése ajánlott!</a:t>
             </a:r>
             <a:endParaRPr lang="hu-HU" sz="1200" dirty="0">
               <a:latin typeface="Raleway" pitchFamily="2" charset="-18"/>
@@ -18268,7 +18048,7 @@
               <a:rPr lang="hu-HU" sz="1200" dirty="0">
                 <a:latin typeface="Raleway"/>
               </a:rPr>
-              <a:t>Modernizálás: PHP helyett például modernebb technológiák használhatóak. Ez akár lehet mindössze PHP keretrendszer használata de akár egy teljes váltás például </a:t>
+              <a:t>Modernizálás: A kódbázis jelenleg alap PHP, JavaScript és HTML, CSS alapú. A modernizálás illetve a terhelhetőség és hatékonyság érdekében könyvtárak (pl.: </a:t>
             </a:r>
             <a:r>
               <a:rPr lang="hu-HU" sz="1200" dirty="0" err="1">
@@ -18280,19 +18060,31 @@
               <a:rPr lang="hu-HU" sz="1200" dirty="0">
                 <a:latin typeface="Raleway"/>
               </a:rPr>
-              <a:t> JavaScript keretrendszerre vagy akár </a:t>
+              <a:t> - JavaScript) és keretrendszerek (pl.: </a:t>
             </a:r>
             <a:r>
               <a:rPr lang="hu-HU" sz="1200" dirty="0" err="1">
                 <a:latin typeface="Raleway"/>
               </a:rPr>
-              <a:t>React-nativ-ra</a:t>
+              <a:t>Laravel</a:t>
             </a:r>
             <a:r>
               <a:rPr lang="hu-HU" sz="1200" dirty="0">
                 <a:latin typeface="Raleway"/>
               </a:rPr>
-              <a:t> a telefonos élmény fokozásához</a:t>
+              <a:t> - PHP) használata ajánlott.</a:t>
+            </a:r>
+            <a:endParaRPr lang="hu-HU" sz="1200" dirty="0">
+              <a:latin typeface="Raleway" pitchFamily="2" charset="-18"/>
+            </a:endParaRPr>
+          </a:p>
+          <a:p>
+            <a:pPr algn="just"/>
+            <a:r>
+              <a:rPr lang="hu-HU" sz="1200" dirty="0">
+                <a:latin typeface="Raleway"/>
+              </a:rPr>
+              <a:t>Mobil környezet: A program jelenlegi állapota kevesebb hangsúlyt fektet a mobil környezetre, ennek fejlesztése ajánlott!</a:t>
             </a:r>
             <a:endParaRPr lang="hu-HU" sz="1200" dirty="0">
               <a:latin typeface="Raleway" pitchFamily="2" charset="-18"/>
@@ -18325,7 +18117,7 @@
         </p:blipFill>
         <p:spPr>
           <a:xfrm>
-            <a:off x="5827320" y="539640"/>
+            <a:off x="6170828" y="539640"/>
             <a:ext cx="2786760" cy="4064040"/>
           </a:xfrm>
           <a:prstGeom prst="rect">
@@ -18352,7 +18144,7 @@
 </p:sld>
 </file>
 
-<file path=ppt/slides/slide65.xml><?xml version="1.0" encoding="utf-8"?>
+<file path=ppt/slides/slide64.xml><?xml version="1.0" encoding="utf-8"?>
 <p:sld xmlns:a="http://schemas.openxmlformats.org/drawingml/2006/main" xmlns:r="http://schemas.openxmlformats.org/officeDocument/2006/relationships" xmlns:p="http://schemas.openxmlformats.org/presentationml/2006/main">
   <p:cSld>
     <p:spTree>

--- a/documentation 2.pptx
+++ b/documentation 2.pptx
@@ -38,41 +38,40 @@
     <p:sldId id="299" r:id="rId32"/>
     <p:sldId id="303" r:id="rId33"/>
     <p:sldId id="300" r:id="rId34"/>
-    <p:sldId id="304" r:id="rId35"/>
-    <p:sldId id="305" r:id="rId36"/>
-    <p:sldId id="307" r:id="rId37"/>
-    <p:sldId id="306" r:id="rId38"/>
-    <p:sldId id="309" r:id="rId39"/>
-    <p:sldId id="310" r:id="rId40"/>
-    <p:sldId id="311" r:id="rId41"/>
-    <p:sldId id="312" r:id="rId42"/>
-    <p:sldId id="313" r:id="rId43"/>
-    <p:sldId id="314" r:id="rId44"/>
-    <p:sldId id="315" r:id="rId45"/>
-    <p:sldId id="316" r:id="rId46"/>
-    <p:sldId id="317" r:id="rId47"/>
-    <p:sldId id="318" r:id="rId48"/>
-    <p:sldId id="319" r:id="rId49"/>
-    <p:sldId id="320" r:id="rId50"/>
-    <p:sldId id="321" r:id="rId51"/>
-    <p:sldId id="322" r:id="rId52"/>
-    <p:sldId id="323" r:id="rId53"/>
-    <p:sldId id="324" r:id="rId54"/>
-    <p:sldId id="340" r:id="rId55"/>
-    <p:sldId id="339" r:id="rId56"/>
-    <p:sldId id="338" r:id="rId57"/>
-    <p:sldId id="337" r:id="rId58"/>
-    <p:sldId id="336" r:id="rId59"/>
-    <p:sldId id="335" r:id="rId60"/>
-    <p:sldId id="334" r:id="rId61"/>
-    <p:sldId id="331" r:id="rId62"/>
-    <p:sldId id="330" r:id="rId63"/>
-    <p:sldId id="329" r:id="rId64"/>
-    <p:sldId id="328" r:id="rId65"/>
-    <p:sldId id="327" r:id="rId66"/>
-    <p:sldId id="326" r:id="rId67"/>
-    <p:sldId id="325" r:id="rId68"/>
-    <p:sldId id="275" r:id="rId69"/>
+    <p:sldId id="305" r:id="rId35"/>
+    <p:sldId id="307" r:id="rId36"/>
+    <p:sldId id="306" r:id="rId37"/>
+    <p:sldId id="309" r:id="rId38"/>
+    <p:sldId id="310" r:id="rId39"/>
+    <p:sldId id="311" r:id="rId40"/>
+    <p:sldId id="312" r:id="rId41"/>
+    <p:sldId id="313" r:id="rId42"/>
+    <p:sldId id="314" r:id="rId43"/>
+    <p:sldId id="315" r:id="rId44"/>
+    <p:sldId id="316" r:id="rId45"/>
+    <p:sldId id="317" r:id="rId46"/>
+    <p:sldId id="318" r:id="rId47"/>
+    <p:sldId id="319" r:id="rId48"/>
+    <p:sldId id="320" r:id="rId49"/>
+    <p:sldId id="321" r:id="rId50"/>
+    <p:sldId id="322" r:id="rId51"/>
+    <p:sldId id="323" r:id="rId52"/>
+    <p:sldId id="324" r:id="rId53"/>
+    <p:sldId id="340" r:id="rId54"/>
+    <p:sldId id="339" r:id="rId55"/>
+    <p:sldId id="338" r:id="rId56"/>
+    <p:sldId id="337" r:id="rId57"/>
+    <p:sldId id="336" r:id="rId58"/>
+    <p:sldId id="335" r:id="rId59"/>
+    <p:sldId id="334" r:id="rId60"/>
+    <p:sldId id="331" r:id="rId61"/>
+    <p:sldId id="330" r:id="rId62"/>
+    <p:sldId id="329" r:id="rId63"/>
+    <p:sldId id="328" r:id="rId64"/>
+    <p:sldId id="327" r:id="rId65"/>
+    <p:sldId id="326" r:id="rId66"/>
+    <p:sldId id="325" r:id="rId67"/>
+    <p:sldId id="275" r:id="rId68"/>
   </p:sldIdLst>
   <p:sldSz cx="9144000" cy="5143500" type="screen16x9"/>
   <p:notesSz cx="6858000" cy="9144000"/>
@@ -7378,6 +7377,18 @@
             </a:r>
           </a:p>
           <a:p>
+            <a:pPr lvl="1" algn="just"/>
+            <a:r>
+              <a:rPr lang="hu-HU" sz="1000" dirty="0" err="1">
+                <a:latin typeface="Raleway" pitchFamily="2" charset="-18"/>
+              </a:rPr>
+              <a:t>InfinityFree</a:t>
+            </a:r>
+            <a:endParaRPr lang="hu-HU" sz="1000" dirty="0">
+              <a:latin typeface="Raleway" pitchFamily="2" charset="-18"/>
+            </a:endParaRPr>
+          </a:p>
+          <a:p>
             <a:pPr algn="just"/>
             <a:r>
               <a:rPr lang="hu-HU" sz="1200" dirty="0">
@@ -8523,8 +8534,8 @@
         </p:nvSpPr>
         <p:spPr>
           <a:xfrm>
-            <a:off x="714240" y="735645"/>
-            <a:ext cx="3857760" cy="485958"/>
+            <a:off x="672989" y="506603"/>
+            <a:ext cx="3857760" cy="530797"/>
           </a:xfrm>
           <a:prstGeom prst="rect">
             <a:avLst/>
@@ -8571,8 +8582,8 @@
         </p:nvSpPr>
         <p:spPr>
           <a:xfrm>
-            <a:off x="714240" y="1292535"/>
-            <a:ext cx="5026542" cy="2947759"/>
+            <a:off x="672989" y="1063494"/>
+            <a:ext cx="5026542" cy="3219748"/>
           </a:xfrm>
           <a:prstGeom prst="rect">
             <a:avLst/>
@@ -8704,6 +8715,21 @@
               <a:rPr lang="hu-HU" sz="1200" dirty="0" err="1">
                 <a:latin typeface="Raleway" pitchFamily="2" charset="-18"/>
               </a:rPr>
+              <a:t>dclass</a:t>
+            </a:r>
+            <a:r>
+              <a:rPr lang="hu-HU" sz="1200" dirty="0">
+                <a:latin typeface="Raleway" pitchFamily="2" charset="-18"/>
+              </a:rPr>
+              <a:t> – megjelölt osztályok</a:t>
+            </a:r>
+          </a:p>
+          <a:p>
+            <a:pPr algn="just"/>
+            <a:r>
+              <a:rPr lang="hu-HU" sz="1200" dirty="0" err="1">
+                <a:latin typeface="Raleway" pitchFamily="2" charset="-18"/>
+              </a:rPr>
               <a:t>devent</a:t>
             </a:r>
             <a:r>
@@ -8774,10 +8800,10 @@
       </p:sp>
       <p:pic>
         <p:nvPicPr>
-          <p:cNvPr id="3" name="Kép 2">
+          <p:cNvPr id="4" name="Kép 3">
             <a:extLst>
               <a:ext uri="{FF2B5EF4-FFF2-40B4-BE49-F238E27FC236}">
-                <a16:creationId xmlns:a16="http://schemas.microsoft.com/office/drawing/2014/main" id="{848B8DA5-962A-3D2D-F14D-3DBE03B4686E}"/>
+                <a16:creationId xmlns:a16="http://schemas.microsoft.com/office/drawing/2014/main" id="{A3DFBAD2-9EE2-B739-633C-8EEE82741933}"/>
               </a:ext>
             </a:extLst>
           </p:cNvPr>
@@ -8794,8 +8820,8 @@
         </p:blipFill>
         <p:spPr>
           <a:xfrm>
-            <a:off x="0" y="4467664"/>
-            <a:ext cx="9144000" cy="675836"/>
+            <a:off x="0" y="4386284"/>
+            <a:ext cx="9144000" cy="750771"/>
           </a:xfrm>
           <a:prstGeom prst="rect">
             <a:avLst/>
@@ -9431,176 +9457,6 @@
         <p:cNvPr id="1" name="">
           <a:extLst>
             <a:ext uri="{FF2B5EF4-FFF2-40B4-BE49-F238E27FC236}">
-              <a16:creationId xmlns:a16="http://schemas.microsoft.com/office/drawing/2014/main" id="{346DD655-62D7-66C4-D0C2-540885D75233}"/>
-            </a:ext>
-          </a:extLst>
-        </p:cNvPr>
-        <p:cNvGrpSpPr/>
-        <p:nvPr/>
-      </p:nvGrpSpPr>
-      <p:grpSpPr>
-        <a:xfrm>
-          <a:off x="0" y="0"/>
-          <a:ext cx="0" cy="0"/>
-          <a:chOff x="0" y="0"/>
-          <a:chExt cx="0" cy="0"/>
-        </a:xfrm>
-      </p:grpSpPr>
-      <p:sp>
-        <p:nvSpPr>
-          <p:cNvPr id="202" name="PlaceHolder 1">
-            <a:extLst>
-              <a:ext uri="{FF2B5EF4-FFF2-40B4-BE49-F238E27FC236}">
-                <a16:creationId xmlns:a16="http://schemas.microsoft.com/office/drawing/2014/main" id="{D8BE0CB3-8585-8D0A-358F-5B2710E3DE04}"/>
-              </a:ext>
-            </a:extLst>
-          </p:cNvPr>
-          <p:cNvSpPr>
-            <a:spLocks noGrp="1"/>
-          </p:cNvSpPr>
-          <p:nvPr>
-            <p:ph type="title"/>
-          </p:nvPr>
-        </p:nvSpPr>
-        <p:spPr>
-          <a:xfrm>
-            <a:off x="714240" y="752400"/>
-            <a:ext cx="6724713" cy="1018800"/>
-          </a:xfrm>
-          <a:prstGeom prst="rect">
-            <a:avLst/>
-          </a:prstGeom>
-          <a:noFill/>
-          <a:ln w="0">
-            <a:noFill/>
-          </a:ln>
-        </p:spPr>
-        <p:txBody>
-          <a:bodyPr lIns="91440" tIns="91440" rIns="91440" bIns="91440" anchor="b">
-            <a:noAutofit/>
-          </a:bodyPr>
-          <a:lstStyle/>
-          <a:p>
-            <a:pPr indent="0">
-              <a:lnSpc>
-                <a:spcPct val="100000"/>
-              </a:lnSpc>
-              <a:buNone/>
-              <a:tabLst>
-                <a:tab pos="0" algn="l"/>
-              </a:tabLst>
-            </a:pPr>
-            <a:r>
-              <a:rPr lang="hu-HU" sz="3200" dirty="0">
-                <a:latin typeface="Inter"/>
-              </a:rPr>
-              <a:t>3.1.5.3 Adatszerkezet ábra</a:t>
-            </a:r>
-            <a:endParaRPr lang="fr-FR" sz="3000" b="0" strike="noStrike" spc="-1" dirty="0">
-              <a:solidFill>
-                <a:schemeClr val="dk1"/>
-              </a:solidFill>
-              <a:latin typeface="Inter"/>
-            </a:endParaRPr>
-          </a:p>
-        </p:txBody>
-      </p:sp>
-      <p:sp>
-        <p:nvSpPr>
-          <p:cNvPr id="203" name="PlaceHolder 2">
-            <a:extLst>
-              <a:ext uri="{FF2B5EF4-FFF2-40B4-BE49-F238E27FC236}">
-                <a16:creationId xmlns:a16="http://schemas.microsoft.com/office/drawing/2014/main" id="{83C3E4B9-5DE4-7B2A-534E-83FC8CF7F473}"/>
-              </a:ext>
-            </a:extLst>
-          </p:cNvPr>
-          <p:cNvSpPr>
-            <a:spLocks noGrp="1"/>
-          </p:cNvSpPr>
-          <p:nvPr>
-            <p:ph type="subTitle"/>
-          </p:nvPr>
-        </p:nvSpPr>
-        <p:spPr>
-          <a:xfrm>
-            <a:off x="714240" y="1852602"/>
-            <a:ext cx="5026542" cy="2746898"/>
-          </a:xfrm>
-          <a:prstGeom prst="rect">
-            <a:avLst/>
-          </a:prstGeom>
-          <a:noFill/>
-          <a:ln w="0">
-            <a:noFill/>
-          </a:ln>
-        </p:spPr>
-        <p:txBody>
-          <a:bodyPr lIns="91440" tIns="91440" rIns="91440" bIns="91440" anchor="t">
-            <a:normAutofit/>
-          </a:bodyPr>
-          <a:lstStyle/>
-          <a:p>
-            <a:pPr algn="just"/>
-            <a:r>
-              <a:rPr lang="hu-HU" sz="1200" dirty="0">
-                <a:latin typeface="Raleway" pitchFamily="2" charset="-18"/>
-              </a:rPr>
-              <a:t>Az adatbázis táblái közötti kapcsolatok szemléltetése</a:t>
-            </a:r>
-          </a:p>
-          <a:p>
-            <a:pPr algn="just"/>
-            <a:r>
-              <a:rPr lang="hu-HU" sz="1200" dirty="0">
-                <a:latin typeface="Raleway" pitchFamily="2" charset="-18"/>
-              </a:rPr>
-              <a:t>Tábla és mezők közötti viszonyok ábrázolása</a:t>
-            </a:r>
-          </a:p>
-          <a:p>
-            <a:pPr algn="just"/>
-            <a:r>
-              <a:rPr lang="hu-HU" sz="1200" dirty="0">
-                <a:latin typeface="Raleway" pitchFamily="2" charset="-18"/>
-              </a:rPr>
-              <a:t>Főbb entitások, kapcsolatok és attribútumok kiemelése</a:t>
-            </a:r>
-          </a:p>
-          <a:p>
-            <a:pPr algn="just"/>
-            <a:r>
-              <a:rPr lang="hu-HU" sz="1200" dirty="0">
-                <a:latin typeface="Raleway" pitchFamily="2" charset="-18"/>
-              </a:rPr>
-              <a:t>Az ábra segíti a program adatkezelési logikájának megértését</a:t>
-            </a:r>
-            <a:endParaRPr lang="hu-HU" sz="1000" dirty="0">
-              <a:latin typeface="Raleway" pitchFamily="2" charset="-18"/>
-            </a:endParaRPr>
-          </a:p>
-        </p:txBody>
-      </p:sp>
-    </p:spTree>
-    <p:extLst>
-      <p:ext uri="{BB962C8B-B14F-4D97-AF65-F5344CB8AC3E}">
-        <p14:creationId xmlns:p14="http://schemas.microsoft.com/office/powerpoint/2010/main" val="3829399485"/>
-      </p:ext>
-    </p:extLst>
-  </p:cSld>
-  <p:clrMapOvr>
-    <a:masterClrMapping/>
-  </p:clrMapOvr>
-</p:sld>
-</file>
-
-<file path=ppt/slides/slide31.xml><?xml version="1.0" encoding="utf-8"?>
-<p:sld xmlns:a="http://schemas.openxmlformats.org/drawingml/2006/main" xmlns:r="http://schemas.openxmlformats.org/officeDocument/2006/relationships" xmlns:p="http://schemas.openxmlformats.org/presentationml/2006/main">
-  <p:cSld>
-    <p:spTree>
-      <p:nvGrpSpPr>
-        <p:cNvPr id="1" name="">
-          <a:extLst>
-            <a:ext uri="{FF2B5EF4-FFF2-40B4-BE49-F238E27FC236}">
               <a16:creationId xmlns:a16="http://schemas.microsoft.com/office/drawing/2014/main" id="{4994AF7C-FD0C-08AA-DC6A-172366587A76}"/>
             </a:ext>
           </a:extLst>
@@ -9690,7 +9546,7 @@
         <p:spPr>
           <a:xfrm>
             <a:off x="851744" y="1511895"/>
-            <a:ext cx="4187769" cy="2610222"/>
+            <a:ext cx="4834036" cy="3013038"/>
           </a:xfrm>
           <a:prstGeom prst="rect">
             <a:avLst/>
@@ -9752,8 +9608,8 @@
         </p:blipFill>
         <p:spPr>
           <a:xfrm>
-            <a:off x="894644" y="1614553"/>
-            <a:ext cx="4079564" cy="2507564"/>
+            <a:off x="894643" y="1614553"/>
+            <a:ext cx="4709133" cy="2894538"/>
           </a:xfrm>
           <a:prstGeom prst="rect">
             <a:avLst/>
@@ -9773,7 +9629,7 @@
 </p:sld>
 </file>
 
-<file path=ppt/slides/slide32.xml><?xml version="1.0" encoding="utf-8"?>
+<file path=ppt/slides/slide31.xml><?xml version="1.0" encoding="utf-8"?>
 <p:sld xmlns:a="http://schemas.openxmlformats.org/drawingml/2006/main" xmlns:r="http://schemas.openxmlformats.org/officeDocument/2006/relationships" xmlns:p="http://schemas.openxmlformats.org/presentationml/2006/main">
   <p:cSld>
     <p:spTree>
@@ -9989,7 +9845,7 @@
 </p:sld>
 </file>
 
-<file path=ppt/slides/slide33.xml><?xml version="1.0" encoding="utf-8"?>
+<file path=ppt/slides/slide32.xml><?xml version="1.0" encoding="utf-8"?>
 <p:sld xmlns:a="http://schemas.openxmlformats.org/drawingml/2006/main" xmlns:r="http://schemas.openxmlformats.org/officeDocument/2006/relationships" xmlns:p="http://schemas.openxmlformats.org/presentationml/2006/main">
   <p:cSld>
     <p:spTree>
@@ -10225,7 +10081,7 @@
 </p:sld>
 </file>
 
-<file path=ppt/slides/slide34.xml><?xml version="1.0" encoding="utf-8"?>
+<file path=ppt/slides/slide33.xml><?xml version="1.0" encoding="utf-8"?>
 <p:sld xmlns:a="http://schemas.openxmlformats.org/drawingml/2006/main" xmlns:r="http://schemas.openxmlformats.org/officeDocument/2006/relationships" xmlns:p="http://schemas.openxmlformats.org/presentationml/2006/main">
   <p:cSld>
     <p:spTree>
@@ -10479,7 +10335,7 @@
 </p:sld>
 </file>
 
-<file path=ppt/slides/slide35.xml><?xml version="1.0" encoding="utf-8"?>
+<file path=ppt/slides/slide34.xml><?xml version="1.0" encoding="utf-8"?>
 <p:sld xmlns:a="http://schemas.openxmlformats.org/drawingml/2006/main" xmlns:r="http://schemas.openxmlformats.org/officeDocument/2006/relationships" xmlns:p="http://schemas.openxmlformats.org/presentationml/2006/main">
   <p:cSld>
     <p:spTree>
@@ -10742,7 +10598,7 @@
 </p:sld>
 </file>
 
-<file path=ppt/slides/slide36.xml><?xml version="1.0" encoding="utf-8"?>
+<file path=ppt/slides/slide35.xml><?xml version="1.0" encoding="utf-8"?>
 <p:sld xmlns:a="http://schemas.openxmlformats.org/drawingml/2006/main" xmlns:r="http://schemas.openxmlformats.org/officeDocument/2006/relationships" xmlns:p="http://schemas.openxmlformats.org/presentationml/2006/main">
   <p:cSld>
     <p:spTree>
@@ -11107,7 +10963,7 @@
 </p:sld>
 </file>
 
-<file path=ppt/slides/slide37.xml><?xml version="1.0" encoding="utf-8"?>
+<file path=ppt/slides/slide36.xml><?xml version="1.0" encoding="utf-8"?>
 <p:sld xmlns:a="http://schemas.openxmlformats.org/drawingml/2006/main" xmlns:r="http://schemas.openxmlformats.org/officeDocument/2006/relationships" xmlns:p="http://schemas.openxmlformats.org/presentationml/2006/main">
   <p:cSld>
     <p:spTree>
@@ -11323,7 +11179,7 @@
 </p:sld>
 </file>
 
-<file path=ppt/slides/slide38.xml><?xml version="1.0" encoding="utf-8"?>
+<file path=ppt/slides/slide37.xml><?xml version="1.0" encoding="utf-8"?>
 <p:sld xmlns:a="http://schemas.openxmlformats.org/drawingml/2006/main" xmlns:r="http://schemas.openxmlformats.org/officeDocument/2006/relationships" xmlns:p="http://schemas.openxmlformats.org/presentationml/2006/main">
   <p:cSld>
     <p:spTree>
@@ -11583,7 +11439,7 @@
 </p:sld>
 </file>
 
-<file path=ppt/slides/slide39.xml><?xml version="1.0" encoding="utf-8"?>
+<file path=ppt/slides/slide38.xml><?xml version="1.0" encoding="utf-8"?>
 <p:sld xmlns:a="http://schemas.openxmlformats.org/drawingml/2006/main" xmlns:r="http://schemas.openxmlformats.org/officeDocument/2006/relationships" xmlns:p="http://schemas.openxmlformats.org/presentationml/2006/main">
   <p:cSld>
     <p:spTree>
@@ -11792,449 +11648,7 @@
 </p:sld>
 </file>
 
-<file path=ppt/slides/slide4.xml><?xml version="1.0" encoding="utf-8"?>
-<p:sld xmlns:a="http://schemas.openxmlformats.org/drawingml/2006/main" xmlns:r="http://schemas.openxmlformats.org/officeDocument/2006/relationships" xmlns:p="http://schemas.openxmlformats.org/presentationml/2006/main">
-  <p:cSld>
-    <p:spTree>
-      <p:nvGrpSpPr>
-        <p:cNvPr id="1" name=""/>
-        <p:cNvGrpSpPr/>
-        <p:nvPr/>
-      </p:nvGrpSpPr>
-      <p:grpSpPr>
-        <a:xfrm>
-          <a:off x="0" y="0"/>
-          <a:ext cx="0" cy="0"/>
-          <a:chOff x="0" y="0"/>
-          <a:chExt cx="0" cy="0"/>
-        </a:xfrm>
-      </p:grpSpPr>
-      <p:sp>
-        <p:nvSpPr>
-          <p:cNvPr id="2" name="Cím 1">
-            <a:extLst>
-              <a:ext uri="{FF2B5EF4-FFF2-40B4-BE49-F238E27FC236}">
-                <a16:creationId xmlns:a16="http://schemas.microsoft.com/office/drawing/2014/main" id="{5310BAFB-CA8F-5585-CF1B-DE3A5409CDB9}"/>
-              </a:ext>
-            </a:extLst>
-          </p:cNvPr>
-          <p:cNvSpPr>
-            <a:spLocks noGrp="1"/>
-          </p:cNvSpPr>
-          <p:nvPr>
-            <p:ph type="title"/>
-          </p:nvPr>
-        </p:nvSpPr>
-        <p:spPr/>
-        <p:txBody>
-          <a:bodyPr/>
-          <a:lstStyle/>
-          <a:p>
-            <a:pPr algn="ctr"/>
-            <a:r>
-              <a:rPr lang="hu-HU" sz="3000" b="0" strike="noStrike" spc="-1" dirty="0">
-                <a:solidFill>
-                  <a:schemeClr val="dk1"/>
-                </a:solidFill>
-                <a:latin typeface="Inter"/>
-                <a:ea typeface="Inter"/>
-              </a:rPr>
-              <a:t>1.2 </a:t>
-            </a:r>
-            <a:r>
-              <a:rPr lang="hu-HU" sz="3000" b="0" strike="noStrike" spc="-1" dirty="0" err="1">
-                <a:solidFill>
-                  <a:schemeClr val="dk1"/>
-                </a:solidFill>
-                <a:latin typeface="Inter"/>
-                <a:ea typeface="Inter"/>
-              </a:rPr>
-              <a:t>Témakifejtés</a:t>
-            </a:r>
-            <a:endParaRPr lang="hu-HU" sz="3000" dirty="0"/>
-          </a:p>
-        </p:txBody>
-      </p:sp>
-      <p:sp>
-        <p:nvSpPr>
-          <p:cNvPr id="5" name="Szövegdoboz 4">
-            <a:extLst>
-              <a:ext uri="{FF2B5EF4-FFF2-40B4-BE49-F238E27FC236}">
-                <a16:creationId xmlns:a16="http://schemas.microsoft.com/office/drawing/2014/main" id="{7DCE157E-1444-5709-2CDB-F9CC171CD7E2}"/>
-              </a:ext>
-            </a:extLst>
-          </p:cNvPr>
-          <p:cNvSpPr txBox="1"/>
-          <p:nvPr/>
-        </p:nvSpPr>
-        <p:spPr>
-          <a:xfrm>
-            <a:off x="453600" y="1356852"/>
-            <a:ext cx="4015800" cy="338554"/>
-          </a:xfrm>
-          <a:prstGeom prst="rect">
-            <a:avLst/>
-          </a:prstGeom>
-          <a:noFill/>
-        </p:spPr>
-        <p:txBody>
-          <a:bodyPr wrap="square" rtlCol="0">
-            <a:spAutoFit/>
-          </a:bodyPr>
-          <a:lstStyle/>
-          <a:p>
-            <a:pPr algn="ctr"/>
-            <a:r>
-              <a:rPr lang="hu-HU" sz="1600" u="sng" dirty="0">
-                <a:latin typeface="Inter"/>
-              </a:rPr>
-              <a:t>Projekt célja</a:t>
-            </a:r>
-          </a:p>
-        </p:txBody>
-      </p:sp>
-      <p:sp>
-        <p:nvSpPr>
-          <p:cNvPr id="6" name="Szövegdoboz 5">
-            <a:extLst>
-              <a:ext uri="{FF2B5EF4-FFF2-40B4-BE49-F238E27FC236}">
-                <a16:creationId xmlns:a16="http://schemas.microsoft.com/office/drawing/2014/main" id="{BDC8118C-E818-6FA7-D8B0-A0C7C6779A79}"/>
-              </a:ext>
-            </a:extLst>
-          </p:cNvPr>
-          <p:cNvSpPr txBox="1"/>
-          <p:nvPr/>
-        </p:nvSpPr>
-        <p:spPr>
-          <a:xfrm>
-            <a:off x="4674241" y="1308806"/>
-            <a:ext cx="4015800" cy="338554"/>
-          </a:xfrm>
-          <a:prstGeom prst="rect">
-            <a:avLst/>
-          </a:prstGeom>
-          <a:noFill/>
-        </p:spPr>
-        <p:txBody>
-          <a:bodyPr wrap="square" rtlCol="0">
-            <a:spAutoFit/>
-          </a:bodyPr>
-          <a:lstStyle/>
-          <a:p>
-            <a:pPr algn="ctr"/>
-            <a:r>
-              <a:rPr lang="hu-HU" sz="1600" u="sng" dirty="0">
-                <a:latin typeface="Inter"/>
-              </a:rPr>
-              <a:t>Kapcsolódás</a:t>
-            </a:r>
-          </a:p>
-        </p:txBody>
-      </p:sp>
-      <p:sp>
-        <p:nvSpPr>
-          <p:cNvPr id="7" name="PlaceHolder 2">
-            <a:extLst>
-              <a:ext uri="{FF2B5EF4-FFF2-40B4-BE49-F238E27FC236}">
-                <a16:creationId xmlns:a16="http://schemas.microsoft.com/office/drawing/2014/main" id="{42E77B1D-D8FE-B854-DCC7-869E0499BF38}"/>
-              </a:ext>
-            </a:extLst>
-          </p:cNvPr>
-          <p:cNvSpPr txBox="1">
-            <a:spLocks/>
-          </p:cNvSpPr>
-          <p:nvPr/>
-        </p:nvSpPr>
-        <p:spPr>
-          <a:xfrm>
-            <a:off x="453600" y="1800789"/>
-            <a:ext cx="4118400" cy="2982959"/>
-          </a:xfrm>
-          <a:prstGeom prst="rect">
-            <a:avLst/>
-          </a:prstGeom>
-          <a:noFill/>
-          <a:ln w="0">
-            <a:noFill/>
-          </a:ln>
-        </p:spPr>
-        <p:txBody>
-          <a:bodyPr lIns="91440" tIns="91440" rIns="91440" bIns="91440" anchor="t">
-            <a:normAutofit/>
-          </a:bodyPr>
-          <a:lstStyle>
-            <a:lvl1pPr algn="l" defTabSz="914400" rtl="0" eaLnBrk="1" latinLnBrk="0" hangingPunct="1">
-              <a:lnSpc>
-                <a:spcPct val="90000"/>
-              </a:lnSpc>
-              <a:spcBef>
-                <a:spcPct val="0"/>
-              </a:spcBef>
-              <a:buNone/>
-              <a:defRPr sz="4400" kern="1200">
-                <a:solidFill>
-                  <a:schemeClr val="tx1"/>
-                </a:solidFill>
-                <a:latin typeface="+mj-lt"/>
-                <a:ea typeface="+mj-ea"/>
-                <a:cs typeface="+mj-cs"/>
-              </a:defRPr>
-            </a:lvl1pPr>
-          </a:lstStyle>
-          <a:p>
-            <a:pPr marL="171450" indent="-171450" algn="just">
-              <a:buFont typeface="Arial" panose="020B0604020202020204" pitchFamily="34" charset="0"/>
-              <a:buChar char="•"/>
-            </a:pPr>
-            <a:r>
-              <a:rPr lang="hu-HU" sz="1200" dirty="0">
-                <a:latin typeface="Raleway" pitchFamily="2" charset="-18"/>
-              </a:rPr>
-              <a:t>Közösségi / fórum jellegű diákoldal</a:t>
-            </a:r>
-          </a:p>
-          <a:p>
-            <a:pPr marL="171450" indent="-171450" algn="just">
-              <a:buFont typeface="Arial" panose="020B0604020202020204" pitchFamily="34" charset="0"/>
-              <a:buChar char="•"/>
-            </a:pPr>
-            <a:r>
-              <a:rPr lang="hu-HU" sz="1200" dirty="0">
-                <a:latin typeface="Raleway" pitchFamily="2" charset="-18"/>
-              </a:rPr>
-              <a:t>Beépített csevegőfelület diákok között</a:t>
-            </a:r>
-          </a:p>
-          <a:p>
-            <a:pPr marL="171450" indent="-171450" algn="just">
-              <a:buFont typeface="Arial" panose="020B0604020202020204" pitchFamily="34" charset="0"/>
-              <a:buChar char="•"/>
-            </a:pPr>
-            <a:r>
-              <a:rPr lang="hu-HU" sz="1200" dirty="0">
-                <a:latin typeface="Raleway" pitchFamily="2" charset="-18"/>
-              </a:rPr>
-              <a:t>Kétirányú kommunikáció</a:t>
-            </a:r>
-          </a:p>
-          <a:p>
-            <a:pPr marL="628650" lvl="2" indent="-171450" algn="just">
-              <a:buFont typeface="Arial" panose="020B0604020202020204" pitchFamily="34" charset="0"/>
-              <a:buChar char="•"/>
-            </a:pPr>
-            <a:r>
-              <a:rPr lang="hu-HU" sz="1000" dirty="0">
-                <a:solidFill>
-                  <a:schemeClr val="accent6"/>
-                </a:solidFill>
-                <a:latin typeface="Raleway" pitchFamily="2" charset="-18"/>
-              </a:rPr>
-              <a:t>Diákönkormányzat ↔ Diák</a:t>
-            </a:r>
-          </a:p>
-          <a:p>
-            <a:pPr marL="628650" lvl="2" indent="-171450" algn="just">
-              <a:buFont typeface="Arial" panose="020B0604020202020204" pitchFamily="34" charset="0"/>
-              <a:buChar char="•"/>
-            </a:pPr>
-            <a:r>
-              <a:rPr lang="hu-HU" sz="1000" dirty="0">
-                <a:solidFill>
-                  <a:schemeClr val="accent6"/>
-                </a:solidFill>
-                <a:latin typeface="Raleway" pitchFamily="2" charset="-18"/>
-              </a:rPr>
-              <a:t>Diák ↔ Diák</a:t>
-            </a:r>
-          </a:p>
-          <a:p>
-            <a:pPr marL="171450" indent="-171450" algn="just">
-              <a:buFont typeface="Arial" panose="020B0604020202020204" pitchFamily="34" charset="0"/>
-              <a:buChar char="•"/>
-            </a:pPr>
-            <a:r>
-              <a:rPr lang="hu-HU" sz="1200" dirty="0">
-                <a:latin typeface="Raleway" pitchFamily="2" charset="-18"/>
-              </a:rPr>
-              <a:t>Két modul – közös projekt</a:t>
-            </a:r>
-          </a:p>
-          <a:p>
-            <a:pPr marL="628650" lvl="1" indent="-171450" algn="just">
-              <a:buFont typeface="Arial" panose="020B0604020202020204" pitchFamily="34" charset="0"/>
-              <a:buChar char="•"/>
-            </a:pPr>
-            <a:r>
-              <a:rPr lang="hu-HU" sz="1000" dirty="0">
-                <a:latin typeface="Raleway" pitchFamily="2" charset="-18"/>
-              </a:rPr>
-              <a:t>Fórum / közösségi oldal</a:t>
-            </a:r>
-          </a:p>
-          <a:p>
-            <a:pPr marL="628650" lvl="1" indent="-171450" algn="just">
-              <a:buFont typeface="Arial" panose="020B0604020202020204" pitchFamily="34" charset="0"/>
-              <a:buChar char="•"/>
-            </a:pPr>
-            <a:r>
-              <a:rPr lang="hu-HU" sz="1000" dirty="0">
-                <a:latin typeface="Raleway" pitchFamily="2" charset="-18"/>
-              </a:rPr>
-              <a:t>Chat rendszer</a:t>
-            </a:r>
-          </a:p>
-          <a:p>
-            <a:pPr marL="171450" indent="-171450" algn="just">
-              <a:buFont typeface="Arial" panose="020B0604020202020204" pitchFamily="34" charset="0"/>
-              <a:buChar char="•"/>
-            </a:pPr>
-            <a:r>
-              <a:rPr lang="hu-HU" sz="1200" dirty="0">
-                <a:latin typeface="Raleway" pitchFamily="2" charset="-18"/>
-              </a:rPr>
-              <a:t>Független fejlesztés, összehangolt célok</a:t>
-            </a:r>
-          </a:p>
-          <a:p>
-            <a:pPr marL="628650" lvl="1" indent="-171450" algn="just">
-              <a:buFont typeface="Arial" panose="020B0604020202020204" pitchFamily="34" charset="0"/>
-              <a:buChar char="•"/>
-            </a:pPr>
-            <a:r>
-              <a:rPr lang="hu-HU" sz="1000" dirty="0">
-                <a:latin typeface="Raleway" pitchFamily="2" charset="-18"/>
-              </a:rPr>
-              <a:t>Egymást kiegészítő funkciók</a:t>
-            </a:r>
-          </a:p>
-          <a:p>
-            <a:pPr marL="628650" lvl="1" indent="-171450" algn="just">
-              <a:buFont typeface="Arial" panose="020B0604020202020204" pitchFamily="34" charset="0"/>
-              <a:buChar char="•"/>
-            </a:pPr>
-            <a:r>
-              <a:rPr lang="hu-HU" sz="1000" dirty="0">
-                <a:latin typeface="Raleway" pitchFamily="2" charset="-18"/>
-              </a:rPr>
-              <a:t>Valódi csapatmunka, nem elkülönült projektek</a:t>
-            </a:r>
-          </a:p>
-        </p:txBody>
-      </p:sp>
-      <p:sp>
-        <p:nvSpPr>
-          <p:cNvPr id="10" name="PlaceHolder 2">
-            <a:extLst>
-              <a:ext uri="{FF2B5EF4-FFF2-40B4-BE49-F238E27FC236}">
-                <a16:creationId xmlns:a16="http://schemas.microsoft.com/office/drawing/2014/main" id="{BF9BF165-C069-793B-5C6B-CEA307BD8A46}"/>
-              </a:ext>
-            </a:extLst>
-          </p:cNvPr>
-          <p:cNvSpPr txBox="1">
-            <a:spLocks/>
-          </p:cNvSpPr>
-          <p:nvPr/>
-        </p:nvSpPr>
-        <p:spPr>
-          <a:xfrm>
-            <a:off x="4572000" y="1800789"/>
-            <a:ext cx="4118400" cy="2982959"/>
-          </a:xfrm>
-          <a:prstGeom prst="rect">
-            <a:avLst/>
-          </a:prstGeom>
-          <a:noFill/>
-          <a:ln w="0">
-            <a:noFill/>
-          </a:ln>
-        </p:spPr>
-        <p:txBody>
-          <a:bodyPr lIns="91440" tIns="91440" rIns="91440" bIns="91440" anchor="t">
-            <a:normAutofit/>
-          </a:bodyPr>
-          <a:lstStyle>
-            <a:lvl1pPr algn="l" defTabSz="914400" rtl="0" eaLnBrk="1" latinLnBrk="0" hangingPunct="1">
-              <a:lnSpc>
-                <a:spcPct val="90000"/>
-              </a:lnSpc>
-              <a:spcBef>
-                <a:spcPct val="0"/>
-              </a:spcBef>
-              <a:buNone/>
-              <a:defRPr sz="4400" kern="1200">
-                <a:solidFill>
-                  <a:schemeClr val="tx1"/>
-                </a:solidFill>
-                <a:latin typeface="+mj-lt"/>
-                <a:ea typeface="+mj-ea"/>
-                <a:cs typeface="+mj-cs"/>
-              </a:defRPr>
-            </a:lvl1pPr>
-          </a:lstStyle>
-          <a:p>
-            <a:pPr marL="171450" indent="-171450" algn="just">
-              <a:buFont typeface="Arial" panose="020B0604020202020204" pitchFamily="34" charset="0"/>
-              <a:buChar char="•"/>
-            </a:pPr>
-            <a:r>
-              <a:rPr lang="hu-HU" sz="1200" dirty="0">
-                <a:latin typeface="Raleway" pitchFamily="2" charset="-18"/>
-              </a:rPr>
-              <a:t>Profilnévre / képre kattintva: Chat azonnal elérhető</a:t>
-            </a:r>
-          </a:p>
-          <a:p>
-            <a:pPr marL="171450" indent="-171450" algn="just">
-              <a:buFont typeface="Arial" panose="020B0604020202020204" pitchFamily="34" charset="0"/>
-              <a:buChar char="•"/>
-            </a:pPr>
-            <a:r>
-              <a:rPr lang="hu-HU" sz="1200" dirty="0">
-                <a:latin typeface="Raleway" pitchFamily="2" charset="-18"/>
-              </a:rPr>
-              <a:t>Bejegyzésnél osztály megjelölése → Automatikus üzenet a chatben</a:t>
-            </a:r>
-          </a:p>
-          <a:p>
-            <a:pPr marL="171450" indent="-171450" algn="just">
-              <a:buFont typeface="Arial" panose="020B0604020202020204" pitchFamily="34" charset="0"/>
-              <a:buChar char="•"/>
-            </a:pPr>
-            <a:r>
-              <a:rPr lang="hu-HU" sz="1200" dirty="0">
-                <a:latin typeface="Raleway" pitchFamily="2" charset="-18"/>
-              </a:rPr>
-              <a:t>Értesítés a megjelölt osztálynak (rendszerüzenetként)</a:t>
-            </a:r>
-          </a:p>
-          <a:p>
-            <a:pPr marL="171450" indent="-171450" algn="just">
-              <a:buFont typeface="Arial" panose="020B0604020202020204" pitchFamily="34" charset="0"/>
-              <a:buChar char="•"/>
-            </a:pPr>
-            <a:r>
-              <a:rPr lang="hu-HU" sz="1200" dirty="0">
-                <a:latin typeface="Raleway" pitchFamily="2" charset="-18"/>
-              </a:rPr>
-              <a:t>Két rendszer összhangban kommunikál egymással</a:t>
-            </a:r>
-          </a:p>
-        </p:txBody>
-      </p:sp>
-    </p:spTree>
-    <p:extLst>
-      <p:ext uri="{BB962C8B-B14F-4D97-AF65-F5344CB8AC3E}">
-        <p14:creationId xmlns:p14="http://schemas.microsoft.com/office/powerpoint/2010/main" val="651334164"/>
-      </p:ext>
-    </p:extLst>
-  </p:cSld>
-  <p:clrMapOvr>
-    <a:masterClrMapping/>
-  </p:clrMapOvr>
-</p:sld>
-</file>
-
-<file path=ppt/slides/slide40.xml><?xml version="1.0" encoding="utf-8"?>
+<file path=ppt/slides/slide39.xml><?xml version="1.0" encoding="utf-8"?>
 <p:sld xmlns:a="http://schemas.openxmlformats.org/drawingml/2006/main" xmlns:r="http://schemas.openxmlformats.org/officeDocument/2006/relationships" xmlns:p="http://schemas.openxmlformats.org/presentationml/2006/main">
   <p:cSld>
     <p:spTree>
@@ -12446,7 +11860,449 @@
 </p:sld>
 </file>
 
-<file path=ppt/slides/slide41.xml><?xml version="1.0" encoding="utf-8"?>
+<file path=ppt/slides/slide4.xml><?xml version="1.0" encoding="utf-8"?>
+<p:sld xmlns:a="http://schemas.openxmlformats.org/drawingml/2006/main" xmlns:r="http://schemas.openxmlformats.org/officeDocument/2006/relationships" xmlns:p="http://schemas.openxmlformats.org/presentationml/2006/main">
+  <p:cSld>
+    <p:spTree>
+      <p:nvGrpSpPr>
+        <p:cNvPr id="1" name=""/>
+        <p:cNvGrpSpPr/>
+        <p:nvPr/>
+      </p:nvGrpSpPr>
+      <p:grpSpPr>
+        <a:xfrm>
+          <a:off x="0" y="0"/>
+          <a:ext cx="0" cy="0"/>
+          <a:chOff x="0" y="0"/>
+          <a:chExt cx="0" cy="0"/>
+        </a:xfrm>
+      </p:grpSpPr>
+      <p:sp>
+        <p:nvSpPr>
+          <p:cNvPr id="2" name="Cím 1">
+            <a:extLst>
+              <a:ext uri="{FF2B5EF4-FFF2-40B4-BE49-F238E27FC236}">
+                <a16:creationId xmlns:a16="http://schemas.microsoft.com/office/drawing/2014/main" id="{5310BAFB-CA8F-5585-CF1B-DE3A5409CDB9}"/>
+              </a:ext>
+            </a:extLst>
+          </p:cNvPr>
+          <p:cNvSpPr>
+            <a:spLocks noGrp="1"/>
+          </p:cNvSpPr>
+          <p:nvPr>
+            <p:ph type="title"/>
+          </p:nvPr>
+        </p:nvSpPr>
+        <p:spPr/>
+        <p:txBody>
+          <a:bodyPr/>
+          <a:lstStyle/>
+          <a:p>
+            <a:pPr algn="ctr"/>
+            <a:r>
+              <a:rPr lang="hu-HU" sz="3000" b="0" strike="noStrike" spc="-1" dirty="0">
+                <a:solidFill>
+                  <a:schemeClr val="dk1"/>
+                </a:solidFill>
+                <a:latin typeface="Inter"/>
+                <a:ea typeface="Inter"/>
+              </a:rPr>
+              <a:t>1.2 </a:t>
+            </a:r>
+            <a:r>
+              <a:rPr lang="hu-HU" sz="3000" b="0" strike="noStrike" spc="-1" dirty="0" err="1">
+                <a:solidFill>
+                  <a:schemeClr val="dk1"/>
+                </a:solidFill>
+                <a:latin typeface="Inter"/>
+                <a:ea typeface="Inter"/>
+              </a:rPr>
+              <a:t>Témakifejtés</a:t>
+            </a:r>
+            <a:endParaRPr lang="hu-HU" sz="3000" dirty="0"/>
+          </a:p>
+        </p:txBody>
+      </p:sp>
+      <p:sp>
+        <p:nvSpPr>
+          <p:cNvPr id="5" name="Szövegdoboz 4">
+            <a:extLst>
+              <a:ext uri="{FF2B5EF4-FFF2-40B4-BE49-F238E27FC236}">
+                <a16:creationId xmlns:a16="http://schemas.microsoft.com/office/drawing/2014/main" id="{7DCE157E-1444-5709-2CDB-F9CC171CD7E2}"/>
+              </a:ext>
+            </a:extLst>
+          </p:cNvPr>
+          <p:cNvSpPr txBox="1"/>
+          <p:nvPr/>
+        </p:nvSpPr>
+        <p:spPr>
+          <a:xfrm>
+            <a:off x="453600" y="1356852"/>
+            <a:ext cx="4015800" cy="338554"/>
+          </a:xfrm>
+          <a:prstGeom prst="rect">
+            <a:avLst/>
+          </a:prstGeom>
+          <a:noFill/>
+        </p:spPr>
+        <p:txBody>
+          <a:bodyPr wrap="square" rtlCol="0">
+            <a:spAutoFit/>
+          </a:bodyPr>
+          <a:lstStyle/>
+          <a:p>
+            <a:pPr algn="ctr"/>
+            <a:r>
+              <a:rPr lang="hu-HU" sz="1600" u="sng" dirty="0">
+                <a:latin typeface="Inter"/>
+              </a:rPr>
+              <a:t>Projekt célja</a:t>
+            </a:r>
+          </a:p>
+        </p:txBody>
+      </p:sp>
+      <p:sp>
+        <p:nvSpPr>
+          <p:cNvPr id="6" name="Szövegdoboz 5">
+            <a:extLst>
+              <a:ext uri="{FF2B5EF4-FFF2-40B4-BE49-F238E27FC236}">
+                <a16:creationId xmlns:a16="http://schemas.microsoft.com/office/drawing/2014/main" id="{BDC8118C-E818-6FA7-D8B0-A0C7C6779A79}"/>
+              </a:ext>
+            </a:extLst>
+          </p:cNvPr>
+          <p:cNvSpPr txBox="1"/>
+          <p:nvPr/>
+        </p:nvSpPr>
+        <p:spPr>
+          <a:xfrm>
+            <a:off x="4674241" y="1308806"/>
+            <a:ext cx="4015800" cy="338554"/>
+          </a:xfrm>
+          <a:prstGeom prst="rect">
+            <a:avLst/>
+          </a:prstGeom>
+          <a:noFill/>
+        </p:spPr>
+        <p:txBody>
+          <a:bodyPr wrap="square" rtlCol="0">
+            <a:spAutoFit/>
+          </a:bodyPr>
+          <a:lstStyle/>
+          <a:p>
+            <a:pPr algn="ctr"/>
+            <a:r>
+              <a:rPr lang="hu-HU" sz="1600" u="sng" dirty="0">
+                <a:latin typeface="Inter"/>
+              </a:rPr>
+              <a:t>Kapcsolódás</a:t>
+            </a:r>
+          </a:p>
+        </p:txBody>
+      </p:sp>
+      <p:sp>
+        <p:nvSpPr>
+          <p:cNvPr id="7" name="PlaceHolder 2">
+            <a:extLst>
+              <a:ext uri="{FF2B5EF4-FFF2-40B4-BE49-F238E27FC236}">
+                <a16:creationId xmlns:a16="http://schemas.microsoft.com/office/drawing/2014/main" id="{42E77B1D-D8FE-B854-DCC7-869E0499BF38}"/>
+              </a:ext>
+            </a:extLst>
+          </p:cNvPr>
+          <p:cNvSpPr txBox="1">
+            <a:spLocks/>
+          </p:cNvSpPr>
+          <p:nvPr/>
+        </p:nvSpPr>
+        <p:spPr>
+          <a:xfrm>
+            <a:off x="453600" y="1800789"/>
+            <a:ext cx="4118400" cy="2982959"/>
+          </a:xfrm>
+          <a:prstGeom prst="rect">
+            <a:avLst/>
+          </a:prstGeom>
+          <a:noFill/>
+          <a:ln w="0">
+            <a:noFill/>
+          </a:ln>
+        </p:spPr>
+        <p:txBody>
+          <a:bodyPr lIns="91440" tIns="91440" rIns="91440" bIns="91440" anchor="t">
+            <a:normAutofit/>
+          </a:bodyPr>
+          <a:lstStyle>
+            <a:lvl1pPr algn="l" defTabSz="914400" rtl="0" eaLnBrk="1" latinLnBrk="0" hangingPunct="1">
+              <a:lnSpc>
+                <a:spcPct val="90000"/>
+              </a:lnSpc>
+              <a:spcBef>
+                <a:spcPct val="0"/>
+              </a:spcBef>
+              <a:buNone/>
+              <a:defRPr sz="4400" kern="1200">
+                <a:solidFill>
+                  <a:schemeClr val="tx1"/>
+                </a:solidFill>
+                <a:latin typeface="+mj-lt"/>
+                <a:ea typeface="+mj-ea"/>
+                <a:cs typeface="+mj-cs"/>
+              </a:defRPr>
+            </a:lvl1pPr>
+          </a:lstStyle>
+          <a:p>
+            <a:pPr marL="171450" indent="-171450" algn="just">
+              <a:buFont typeface="Arial" panose="020B0604020202020204" pitchFamily="34" charset="0"/>
+              <a:buChar char="•"/>
+            </a:pPr>
+            <a:r>
+              <a:rPr lang="hu-HU" sz="1200" dirty="0">
+                <a:latin typeface="Raleway" pitchFamily="2" charset="-18"/>
+              </a:rPr>
+              <a:t>Közösségi / fórum jellegű diákoldal</a:t>
+            </a:r>
+          </a:p>
+          <a:p>
+            <a:pPr marL="171450" indent="-171450" algn="just">
+              <a:buFont typeface="Arial" panose="020B0604020202020204" pitchFamily="34" charset="0"/>
+              <a:buChar char="•"/>
+            </a:pPr>
+            <a:r>
+              <a:rPr lang="hu-HU" sz="1200" dirty="0">
+                <a:latin typeface="Raleway" pitchFamily="2" charset="-18"/>
+              </a:rPr>
+              <a:t>Beépített csevegőfelület diákok között</a:t>
+            </a:r>
+          </a:p>
+          <a:p>
+            <a:pPr marL="171450" indent="-171450" algn="just">
+              <a:buFont typeface="Arial" panose="020B0604020202020204" pitchFamily="34" charset="0"/>
+              <a:buChar char="•"/>
+            </a:pPr>
+            <a:r>
+              <a:rPr lang="hu-HU" sz="1200" dirty="0">
+                <a:latin typeface="Raleway" pitchFamily="2" charset="-18"/>
+              </a:rPr>
+              <a:t>Kétirányú kommunikáció</a:t>
+            </a:r>
+          </a:p>
+          <a:p>
+            <a:pPr marL="628650" lvl="2" indent="-171450" algn="just">
+              <a:buFont typeface="Arial" panose="020B0604020202020204" pitchFamily="34" charset="0"/>
+              <a:buChar char="•"/>
+            </a:pPr>
+            <a:r>
+              <a:rPr lang="hu-HU" sz="1000" dirty="0">
+                <a:solidFill>
+                  <a:schemeClr val="accent6"/>
+                </a:solidFill>
+                <a:latin typeface="Raleway" pitchFamily="2" charset="-18"/>
+              </a:rPr>
+              <a:t>Diákönkormányzat ↔ Diák</a:t>
+            </a:r>
+          </a:p>
+          <a:p>
+            <a:pPr marL="628650" lvl="2" indent="-171450" algn="just">
+              <a:buFont typeface="Arial" panose="020B0604020202020204" pitchFamily="34" charset="0"/>
+              <a:buChar char="•"/>
+            </a:pPr>
+            <a:r>
+              <a:rPr lang="hu-HU" sz="1000" dirty="0">
+                <a:solidFill>
+                  <a:schemeClr val="accent6"/>
+                </a:solidFill>
+                <a:latin typeface="Raleway" pitchFamily="2" charset="-18"/>
+              </a:rPr>
+              <a:t>Diák ↔ Diák</a:t>
+            </a:r>
+          </a:p>
+          <a:p>
+            <a:pPr marL="171450" indent="-171450" algn="just">
+              <a:buFont typeface="Arial" panose="020B0604020202020204" pitchFamily="34" charset="0"/>
+              <a:buChar char="•"/>
+            </a:pPr>
+            <a:r>
+              <a:rPr lang="hu-HU" sz="1200" dirty="0">
+                <a:latin typeface="Raleway" pitchFamily="2" charset="-18"/>
+              </a:rPr>
+              <a:t>Két modul – közös projekt</a:t>
+            </a:r>
+          </a:p>
+          <a:p>
+            <a:pPr marL="628650" lvl="1" indent="-171450" algn="just">
+              <a:buFont typeface="Arial" panose="020B0604020202020204" pitchFamily="34" charset="0"/>
+              <a:buChar char="•"/>
+            </a:pPr>
+            <a:r>
+              <a:rPr lang="hu-HU" sz="1000" dirty="0">
+                <a:latin typeface="Raleway" pitchFamily="2" charset="-18"/>
+              </a:rPr>
+              <a:t>Fórum / közösségi oldal</a:t>
+            </a:r>
+          </a:p>
+          <a:p>
+            <a:pPr marL="628650" lvl="1" indent="-171450" algn="just">
+              <a:buFont typeface="Arial" panose="020B0604020202020204" pitchFamily="34" charset="0"/>
+              <a:buChar char="•"/>
+            </a:pPr>
+            <a:r>
+              <a:rPr lang="hu-HU" sz="1000" dirty="0">
+                <a:latin typeface="Raleway" pitchFamily="2" charset="-18"/>
+              </a:rPr>
+              <a:t>Chat rendszer</a:t>
+            </a:r>
+          </a:p>
+          <a:p>
+            <a:pPr marL="171450" indent="-171450" algn="just">
+              <a:buFont typeface="Arial" panose="020B0604020202020204" pitchFamily="34" charset="0"/>
+              <a:buChar char="•"/>
+            </a:pPr>
+            <a:r>
+              <a:rPr lang="hu-HU" sz="1200" dirty="0">
+                <a:latin typeface="Raleway" pitchFamily="2" charset="-18"/>
+              </a:rPr>
+              <a:t>Független fejlesztés, összehangolt célok</a:t>
+            </a:r>
+          </a:p>
+          <a:p>
+            <a:pPr marL="628650" lvl="1" indent="-171450" algn="just">
+              <a:buFont typeface="Arial" panose="020B0604020202020204" pitchFamily="34" charset="0"/>
+              <a:buChar char="•"/>
+            </a:pPr>
+            <a:r>
+              <a:rPr lang="hu-HU" sz="1000" dirty="0">
+                <a:latin typeface="Raleway" pitchFamily="2" charset="-18"/>
+              </a:rPr>
+              <a:t>Egymást kiegészítő funkciók</a:t>
+            </a:r>
+          </a:p>
+          <a:p>
+            <a:pPr marL="628650" lvl="1" indent="-171450" algn="just">
+              <a:buFont typeface="Arial" panose="020B0604020202020204" pitchFamily="34" charset="0"/>
+              <a:buChar char="•"/>
+            </a:pPr>
+            <a:r>
+              <a:rPr lang="hu-HU" sz="1000" dirty="0">
+                <a:latin typeface="Raleway" pitchFamily="2" charset="-18"/>
+              </a:rPr>
+              <a:t>Valódi csapatmunka, nem elkülönült projektek</a:t>
+            </a:r>
+          </a:p>
+        </p:txBody>
+      </p:sp>
+      <p:sp>
+        <p:nvSpPr>
+          <p:cNvPr id="10" name="PlaceHolder 2">
+            <a:extLst>
+              <a:ext uri="{FF2B5EF4-FFF2-40B4-BE49-F238E27FC236}">
+                <a16:creationId xmlns:a16="http://schemas.microsoft.com/office/drawing/2014/main" id="{BF9BF165-C069-793B-5C6B-CEA307BD8A46}"/>
+              </a:ext>
+            </a:extLst>
+          </p:cNvPr>
+          <p:cNvSpPr txBox="1">
+            <a:spLocks/>
+          </p:cNvSpPr>
+          <p:nvPr/>
+        </p:nvSpPr>
+        <p:spPr>
+          <a:xfrm>
+            <a:off x="4572000" y="1800789"/>
+            <a:ext cx="4118400" cy="2982959"/>
+          </a:xfrm>
+          <a:prstGeom prst="rect">
+            <a:avLst/>
+          </a:prstGeom>
+          <a:noFill/>
+          <a:ln w="0">
+            <a:noFill/>
+          </a:ln>
+        </p:spPr>
+        <p:txBody>
+          <a:bodyPr lIns="91440" tIns="91440" rIns="91440" bIns="91440" anchor="t">
+            <a:normAutofit/>
+          </a:bodyPr>
+          <a:lstStyle>
+            <a:lvl1pPr algn="l" defTabSz="914400" rtl="0" eaLnBrk="1" latinLnBrk="0" hangingPunct="1">
+              <a:lnSpc>
+                <a:spcPct val="90000"/>
+              </a:lnSpc>
+              <a:spcBef>
+                <a:spcPct val="0"/>
+              </a:spcBef>
+              <a:buNone/>
+              <a:defRPr sz="4400" kern="1200">
+                <a:solidFill>
+                  <a:schemeClr val="tx1"/>
+                </a:solidFill>
+                <a:latin typeface="+mj-lt"/>
+                <a:ea typeface="+mj-ea"/>
+                <a:cs typeface="+mj-cs"/>
+              </a:defRPr>
+            </a:lvl1pPr>
+          </a:lstStyle>
+          <a:p>
+            <a:pPr marL="171450" indent="-171450" algn="just">
+              <a:buFont typeface="Arial" panose="020B0604020202020204" pitchFamily="34" charset="0"/>
+              <a:buChar char="•"/>
+            </a:pPr>
+            <a:r>
+              <a:rPr lang="hu-HU" sz="1200" dirty="0">
+                <a:latin typeface="Raleway" pitchFamily="2" charset="-18"/>
+              </a:rPr>
+              <a:t>Profilnévre / képre kattintva: Chat azonnal elérhető</a:t>
+            </a:r>
+          </a:p>
+          <a:p>
+            <a:pPr marL="171450" indent="-171450" algn="just">
+              <a:buFont typeface="Arial" panose="020B0604020202020204" pitchFamily="34" charset="0"/>
+              <a:buChar char="•"/>
+            </a:pPr>
+            <a:r>
+              <a:rPr lang="hu-HU" sz="1200" dirty="0">
+                <a:latin typeface="Raleway" pitchFamily="2" charset="-18"/>
+              </a:rPr>
+              <a:t>Bejegyzésnél osztály megjelölése → Automatikus üzenet a chatben</a:t>
+            </a:r>
+          </a:p>
+          <a:p>
+            <a:pPr marL="171450" indent="-171450" algn="just">
+              <a:buFont typeface="Arial" panose="020B0604020202020204" pitchFamily="34" charset="0"/>
+              <a:buChar char="•"/>
+            </a:pPr>
+            <a:r>
+              <a:rPr lang="hu-HU" sz="1200" dirty="0">
+                <a:latin typeface="Raleway" pitchFamily="2" charset="-18"/>
+              </a:rPr>
+              <a:t>Értesítés a megjelölt osztálynak (rendszerüzenetként)</a:t>
+            </a:r>
+          </a:p>
+          <a:p>
+            <a:pPr marL="171450" indent="-171450" algn="just">
+              <a:buFont typeface="Arial" panose="020B0604020202020204" pitchFamily="34" charset="0"/>
+              <a:buChar char="•"/>
+            </a:pPr>
+            <a:r>
+              <a:rPr lang="hu-HU" sz="1200" dirty="0">
+                <a:latin typeface="Raleway" pitchFamily="2" charset="-18"/>
+              </a:rPr>
+              <a:t>Két rendszer összhangban kommunikál egymással</a:t>
+            </a:r>
+          </a:p>
+        </p:txBody>
+      </p:sp>
+    </p:spTree>
+    <p:extLst>
+      <p:ext uri="{BB962C8B-B14F-4D97-AF65-F5344CB8AC3E}">
+        <p14:creationId xmlns:p14="http://schemas.microsoft.com/office/powerpoint/2010/main" val="651334164"/>
+      </p:ext>
+    </p:extLst>
+  </p:cSld>
+  <p:clrMapOvr>
+    <a:masterClrMapping/>
+  </p:clrMapOvr>
+</p:sld>
+</file>
+
+<file path=ppt/slides/slide40.xml><?xml version="1.0" encoding="utf-8"?>
 <p:sld xmlns:a="http://schemas.openxmlformats.org/drawingml/2006/main" xmlns:r="http://schemas.openxmlformats.org/officeDocument/2006/relationships" xmlns:p="http://schemas.openxmlformats.org/presentationml/2006/main">
   <p:cSld>
     <p:spTree>
@@ -12714,7 +12570,7 @@
 </p:sld>
 </file>
 
-<file path=ppt/slides/slide42.xml><?xml version="1.0" encoding="utf-8"?>
+<file path=ppt/slides/slide41.xml><?xml version="1.0" encoding="utf-8"?>
 <p:sld xmlns:a="http://schemas.openxmlformats.org/drawingml/2006/main" xmlns:r="http://schemas.openxmlformats.org/officeDocument/2006/relationships" xmlns:p="http://schemas.openxmlformats.org/presentationml/2006/main">
   <p:cSld>
     <p:spTree>
@@ -12902,7 +12758,7 @@
 </p:sld>
 </file>
 
-<file path=ppt/slides/slide43.xml><?xml version="1.0" encoding="utf-8"?>
+<file path=ppt/slides/slide42.xml><?xml version="1.0" encoding="utf-8"?>
 <p:sld xmlns:a="http://schemas.openxmlformats.org/drawingml/2006/main" xmlns:r="http://schemas.openxmlformats.org/officeDocument/2006/relationships" xmlns:p="http://schemas.openxmlformats.org/presentationml/2006/main">
   <p:cSld>
     <p:spTree>
@@ -13117,7 +12973,7 @@
 </p:sld>
 </file>
 
-<file path=ppt/slides/slide44.xml><?xml version="1.0" encoding="utf-8"?>
+<file path=ppt/slides/slide43.xml><?xml version="1.0" encoding="utf-8"?>
 <p:sld xmlns:a="http://schemas.openxmlformats.org/drawingml/2006/main" xmlns:r="http://schemas.openxmlformats.org/officeDocument/2006/relationships" xmlns:p="http://schemas.openxmlformats.org/presentationml/2006/main">
   <p:cSld>
     <p:spTree>
@@ -13341,7 +13197,7 @@
 </p:sld>
 </file>
 
-<file path=ppt/slides/slide45.xml><?xml version="1.0" encoding="utf-8"?>
+<file path=ppt/slides/slide44.xml><?xml version="1.0" encoding="utf-8"?>
 <p:sld xmlns:a="http://schemas.openxmlformats.org/drawingml/2006/main" xmlns:r="http://schemas.openxmlformats.org/officeDocument/2006/relationships" xmlns:p="http://schemas.openxmlformats.org/presentationml/2006/main">
   <p:cSld>
     <p:spTree>
@@ -13541,7 +13397,7 @@
 </p:sld>
 </file>
 
-<file path=ppt/slides/slide46.xml><?xml version="1.0" encoding="utf-8"?>
+<file path=ppt/slides/slide45.xml><?xml version="1.0" encoding="utf-8"?>
 <p:sld xmlns:a="http://schemas.openxmlformats.org/drawingml/2006/main" xmlns:r="http://schemas.openxmlformats.org/officeDocument/2006/relationships" xmlns:p="http://schemas.openxmlformats.org/presentationml/2006/main">
   <p:cSld>
     <p:spTree>
@@ -13798,7 +13654,7 @@
 </p:sld>
 </file>
 
-<file path=ppt/slides/slide47.xml><?xml version="1.0" encoding="utf-8"?>
+<file path=ppt/slides/slide46.xml><?xml version="1.0" encoding="utf-8"?>
 <p:sld xmlns:a="http://schemas.openxmlformats.org/drawingml/2006/main" xmlns:r="http://schemas.openxmlformats.org/officeDocument/2006/relationships" xmlns:p="http://schemas.openxmlformats.org/presentationml/2006/main">
   <p:cSld>
     <p:spTree>
@@ -14058,7 +13914,7 @@
 </p:sld>
 </file>
 
-<file path=ppt/slides/slide48.xml><?xml version="1.0" encoding="utf-8"?>
+<file path=ppt/slides/slide47.xml><?xml version="1.0" encoding="utf-8"?>
 <p:sld xmlns:a="http://schemas.openxmlformats.org/drawingml/2006/main" xmlns:r="http://schemas.openxmlformats.org/officeDocument/2006/relationships" xmlns:p="http://schemas.openxmlformats.org/presentationml/2006/main">
   <p:cSld>
     <p:spTree>
@@ -14273,7 +14129,7 @@
 </p:sld>
 </file>
 
-<file path=ppt/slides/slide49.xml><?xml version="1.0" encoding="utf-8"?>
+<file path=ppt/slides/slide48.xml><?xml version="1.0" encoding="utf-8"?>
 <p:sld xmlns:a="http://schemas.openxmlformats.org/drawingml/2006/main" xmlns:r="http://schemas.openxmlformats.org/officeDocument/2006/relationships" xmlns:p="http://schemas.openxmlformats.org/presentationml/2006/main">
   <p:cSld>
     <p:spTree>
@@ -14539,6 +14395,342 @@
     <p:extLst>
       <p:ext uri="{BB962C8B-B14F-4D97-AF65-F5344CB8AC3E}">
         <p14:creationId xmlns:p14="http://schemas.microsoft.com/office/powerpoint/2010/main" val="2101034441"/>
+      </p:ext>
+    </p:extLst>
+  </p:cSld>
+  <p:clrMapOvr>
+    <a:masterClrMapping/>
+  </p:clrMapOvr>
+</p:sld>
+</file>
+
+<file path=ppt/slides/slide49.xml><?xml version="1.0" encoding="utf-8"?>
+<p:sld xmlns:a="http://schemas.openxmlformats.org/drawingml/2006/main" xmlns:r="http://schemas.openxmlformats.org/officeDocument/2006/relationships" xmlns:p="http://schemas.openxmlformats.org/presentationml/2006/main">
+  <p:cSld>
+    <p:spTree>
+      <p:nvGrpSpPr>
+        <p:cNvPr id="1" name="">
+          <a:extLst>
+            <a:ext uri="{FF2B5EF4-FFF2-40B4-BE49-F238E27FC236}">
+              <a16:creationId xmlns:a16="http://schemas.microsoft.com/office/drawing/2014/main" id="{EA408627-9C14-219D-94A2-CCF3C81A1AF5}"/>
+            </a:ext>
+          </a:extLst>
+        </p:cNvPr>
+        <p:cNvGrpSpPr/>
+        <p:nvPr/>
+      </p:nvGrpSpPr>
+      <p:grpSpPr>
+        <a:xfrm>
+          <a:off x="0" y="0"/>
+          <a:ext cx="0" cy="0"/>
+          <a:chOff x="0" y="0"/>
+          <a:chExt cx="0" cy="0"/>
+        </a:xfrm>
+      </p:grpSpPr>
+      <p:sp>
+        <p:nvSpPr>
+          <p:cNvPr id="202" name="PlaceHolder 1">
+            <a:extLst>
+              <a:ext uri="{FF2B5EF4-FFF2-40B4-BE49-F238E27FC236}">
+                <a16:creationId xmlns:a16="http://schemas.microsoft.com/office/drawing/2014/main" id="{485B6341-F11E-E5A7-125C-051B1D60B514}"/>
+              </a:ext>
+            </a:extLst>
+          </p:cNvPr>
+          <p:cNvSpPr>
+            <a:spLocks noGrp="1"/>
+          </p:cNvSpPr>
+          <p:nvPr>
+            <p:ph type="title"/>
+          </p:nvPr>
+        </p:nvSpPr>
+        <p:spPr>
+          <a:xfrm>
+            <a:off x="714240" y="752400"/>
+            <a:ext cx="6724713" cy="1018800"/>
+          </a:xfrm>
+          <a:prstGeom prst="rect">
+            <a:avLst/>
+          </a:prstGeom>
+          <a:noFill/>
+          <a:ln w="0">
+            <a:noFill/>
+          </a:ln>
+        </p:spPr>
+        <p:txBody>
+          <a:bodyPr lIns="91440" tIns="91440" rIns="91440" bIns="91440" anchor="b">
+            <a:noAutofit/>
+          </a:bodyPr>
+          <a:lstStyle/>
+          <a:p>
+            <a:pPr indent="0">
+              <a:lnSpc>
+                <a:spcPct val="100000"/>
+              </a:lnSpc>
+              <a:buNone/>
+              <a:tabLst>
+                <a:tab pos="0" algn="l"/>
+              </a:tabLst>
+            </a:pPr>
+            <a:r>
+              <a:rPr lang="hu-HU" sz="3200" dirty="0">
+                <a:latin typeface="Inter"/>
+              </a:rPr>
+              <a:t>3.2.5.2 Táblák mezői</a:t>
+            </a:r>
+            <a:endParaRPr lang="fr-FR" sz="3000" b="0" strike="noStrike" spc="-1" dirty="0">
+              <a:solidFill>
+                <a:schemeClr val="dk1"/>
+              </a:solidFill>
+              <a:latin typeface="Inter"/>
+            </a:endParaRPr>
+          </a:p>
+        </p:txBody>
+      </p:sp>
+      <p:sp>
+        <p:nvSpPr>
+          <p:cNvPr id="203" name="PlaceHolder 2">
+            <a:extLst>
+              <a:ext uri="{FF2B5EF4-FFF2-40B4-BE49-F238E27FC236}">
+                <a16:creationId xmlns:a16="http://schemas.microsoft.com/office/drawing/2014/main" id="{4E8E1C8C-0245-9C76-9DC5-B62F26F1EB23}"/>
+              </a:ext>
+            </a:extLst>
+          </p:cNvPr>
+          <p:cNvSpPr>
+            <a:spLocks noGrp="1"/>
+          </p:cNvSpPr>
+          <p:nvPr>
+            <p:ph type="subTitle"/>
+          </p:nvPr>
+        </p:nvSpPr>
+        <p:spPr>
+          <a:xfrm>
+            <a:off x="714240" y="2332024"/>
+            <a:ext cx="5026542" cy="1908270"/>
+          </a:xfrm>
+          <a:prstGeom prst="rect">
+            <a:avLst/>
+          </a:prstGeom>
+          <a:noFill/>
+          <a:ln w="0">
+            <a:noFill/>
+          </a:ln>
+        </p:spPr>
+        <p:txBody>
+          <a:bodyPr lIns="91440" tIns="91440" rIns="91440" bIns="91440" anchor="t">
+            <a:normAutofit/>
+          </a:bodyPr>
+          <a:lstStyle/>
+          <a:p>
+            <a:pPr algn="just"/>
+            <a:r>
+              <a:rPr lang="hu-HU" sz="1200" dirty="0" err="1">
+                <a:latin typeface="Raleway" pitchFamily="2" charset="-18"/>
+              </a:rPr>
+              <a:t>uid</a:t>
+            </a:r>
+            <a:r>
+              <a:rPr lang="hu-HU" sz="1200" dirty="0">
+                <a:latin typeface="Raleway" pitchFamily="2" charset="-18"/>
+              </a:rPr>
+              <a:t> – egyedi azonosító</a:t>
+            </a:r>
+          </a:p>
+          <a:p>
+            <a:pPr algn="just"/>
+            <a:r>
+              <a:rPr lang="hu-HU" sz="1200" dirty="0" err="1">
+                <a:latin typeface="Raleway" pitchFamily="2" charset="-18"/>
+              </a:rPr>
+              <a:t>unick</a:t>
+            </a:r>
+            <a:r>
+              <a:rPr lang="hu-HU" sz="1200" dirty="0">
+                <a:latin typeface="Raleway" pitchFamily="2" charset="-18"/>
+              </a:rPr>
+              <a:t> – felhasználónév</a:t>
+            </a:r>
+          </a:p>
+          <a:p>
+            <a:pPr algn="just"/>
+            <a:r>
+              <a:rPr lang="hu-HU" sz="1200" dirty="0" err="1">
+                <a:latin typeface="Raleway" pitchFamily="2" charset="-18"/>
+              </a:rPr>
+              <a:t>uprofkepnev</a:t>
+            </a:r>
+            <a:r>
+              <a:rPr lang="hu-HU" sz="1200" dirty="0">
+                <a:latin typeface="Raleway" pitchFamily="2" charset="-18"/>
+              </a:rPr>
+              <a:t> – a profilkép elmentett neve</a:t>
+            </a:r>
+          </a:p>
+          <a:p>
+            <a:pPr algn="just"/>
+            <a:r>
+              <a:rPr lang="hu-HU" sz="1200" dirty="0" err="1">
+                <a:latin typeface="Raleway" pitchFamily="2" charset="-18"/>
+              </a:rPr>
+              <a:t>ustatusz</a:t>
+            </a:r>
+            <a:r>
+              <a:rPr lang="hu-HU" sz="1200" dirty="0">
+                <a:latin typeface="Raleway" pitchFamily="2" charset="-18"/>
+              </a:rPr>
+              <a:t> – jogosultságok</a:t>
+            </a:r>
+          </a:p>
+          <a:p>
+            <a:pPr algn="just"/>
+            <a:r>
+              <a:rPr lang="hu-HU" sz="1200" dirty="0" err="1">
+                <a:latin typeface="Raleway"/>
+              </a:rPr>
+              <a:t>uosztaly</a:t>
+            </a:r>
+            <a:r>
+              <a:rPr lang="hu-HU" sz="1200" dirty="0">
+                <a:latin typeface="Raleway"/>
+              </a:rPr>
+              <a:t> – osztály lekérése</a:t>
+            </a:r>
+            <a:endParaRPr lang="hu-HU" sz="1200" dirty="0">
+              <a:latin typeface="Raleway" pitchFamily="2" charset="-18"/>
+            </a:endParaRPr>
+          </a:p>
+        </p:txBody>
+      </p:sp>
+      <p:sp>
+        <p:nvSpPr>
+          <p:cNvPr id="4" name="PlaceHolder 1">
+            <a:extLst>
+              <a:ext uri="{FF2B5EF4-FFF2-40B4-BE49-F238E27FC236}">
+                <a16:creationId xmlns:a16="http://schemas.microsoft.com/office/drawing/2014/main" id="{9CF46A52-B1F1-2F3E-418F-C8C3F84F100C}"/>
+              </a:ext>
+            </a:extLst>
+          </p:cNvPr>
+          <p:cNvSpPr txBox="1">
+            <a:spLocks/>
+          </p:cNvSpPr>
+          <p:nvPr/>
+        </p:nvSpPr>
+        <p:spPr>
+          <a:xfrm>
+            <a:off x="714241" y="1888078"/>
+            <a:ext cx="3857759" cy="379281"/>
+          </a:xfrm>
+          <a:prstGeom prst="rect">
+            <a:avLst/>
+          </a:prstGeom>
+          <a:noFill/>
+          <a:ln w="0">
+            <a:noFill/>
+          </a:ln>
+        </p:spPr>
+        <p:txBody>
+          <a:bodyPr lIns="91440" tIns="91440" rIns="91440" bIns="91440" anchor="b">
+            <a:noAutofit/>
+          </a:bodyPr>
+          <a:lstStyle>
+            <a:lvl1pPr algn="l" defTabSz="914400" rtl="0" eaLnBrk="1" latinLnBrk="0" hangingPunct="1">
+              <a:lnSpc>
+                <a:spcPct val="90000"/>
+              </a:lnSpc>
+              <a:spcBef>
+                <a:spcPct val="0"/>
+              </a:spcBef>
+              <a:buNone/>
+              <a:defRPr sz="4400" kern="1200">
+                <a:solidFill>
+                  <a:schemeClr val="tx1"/>
+                </a:solidFill>
+                <a:latin typeface="+mj-lt"/>
+                <a:ea typeface="+mj-ea"/>
+                <a:cs typeface="+mj-cs"/>
+              </a:defRPr>
+            </a:lvl1pPr>
+          </a:lstStyle>
+          <a:p>
+            <a:pPr algn="ctr"/>
+            <a:r>
+              <a:rPr lang="hu-HU" sz="1600" u="sng" dirty="0" err="1">
+                <a:latin typeface="Inter"/>
+              </a:rPr>
+              <a:t>user</a:t>
+            </a:r>
+            <a:r>
+              <a:rPr lang="hu-HU" sz="1600" u="sng" dirty="0">
+                <a:latin typeface="Inter"/>
+              </a:rPr>
+              <a:t> (felhasznált részei)</a:t>
+            </a:r>
+          </a:p>
+        </p:txBody>
+      </p:sp>
+      <p:pic>
+        <p:nvPicPr>
+          <p:cNvPr id="6" name="Kép 5">
+            <a:extLst>
+              <a:ext uri="{FF2B5EF4-FFF2-40B4-BE49-F238E27FC236}">
+                <a16:creationId xmlns:a16="http://schemas.microsoft.com/office/drawing/2014/main" id="{321AE4B0-E2DF-2D72-C537-5C44EB844C5B}"/>
+              </a:ext>
+            </a:extLst>
+          </p:cNvPr>
+          <p:cNvPicPr>
+            <a:picLocks noChangeAspect="1"/>
+          </p:cNvPicPr>
+          <p:nvPr/>
+        </p:nvPicPr>
+        <p:blipFill>
+          <a:blip r:embed="rId2"/>
+          <a:stretch>
+            <a:fillRect/>
+          </a:stretch>
+        </p:blipFill>
+        <p:spPr>
+          <a:xfrm>
+            <a:off x="3339203" y="3552085"/>
+            <a:ext cx="2461318" cy="1303459"/>
+          </a:xfrm>
+          <a:prstGeom prst="rect">
+            <a:avLst/>
+          </a:prstGeom>
+        </p:spPr>
+      </p:pic>
+      <p:pic>
+        <p:nvPicPr>
+          <p:cNvPr id="2" name="Kép 1" descr="A képen szöveg, képernyőkép, Betűtípus, tervezés látható&#10;&#10;Lehet, hogy az AI által létrehozott tartalom helytelen.">
+            <a:extLst>
+              <a:ext uri="{FF2B5EF4-FFF2-40B4-BE49-F238E27FC236}">
+                <a16:creationId xmlns:a16="http://schemas.microsoft.com/office/drawing/2014/main" id="{31FA0440-C69E-CC0B-5851-D94A0CBCA1ED}"/>
+              </a:ext>
+            </a:extLst>
+          </p:cNvPr>
+          <p:cNvPicPr>
+            <a:picLocks noChangeAspect="1"/>
+          </p:cNvPicPr>
+          <p:nvPr/>
+        </p:nvPicPr>
+        <p:blipFill>
+          <a:blip r:embed="rId3"/>
+          <a:stretch>
+            <a:fillRect/>
+          </a:stretch>
+        </p:blipFill>
+        <p:spPr>
+          <a:xfrm>
+            <a:off x="5740782" y="3552085"/>
+            <a:ext cx="591671" cy="1304924"/>
+          </a:xfrm>
+          <a:prstGeom prst="rect">
+            <a:avLst/>
+          </a:prstGeom>
+        </p:spPr>
+      </p:pic>
+    </p:spTree>
+    <p:extLst>
+      <p:ext uri="{BB962C8B-B14F-4D97-AF65-F5344CB8AC3E}">
+        <p14:creationId xmlns:p14="http://schemas.microsoft.com/office/powerpoint/2010/main" val="363762974"/>
       </p:ext>
     </p:extLst>
   </p:cSld>
@@ -14744,342 +14936,6 @@
         <p:cNvPr id="1" name="">
           <a:extLst>
             <a:ext uri="{FF2B5EF4-FFF2-40B4-BE49-F238E27FC236}">
-              <a16:creationId xmlns:a16="http://schemas.microsoft.com/office/drawing/2014/main" id="{EA408627-9C14-219D-94A2-CCF3C81A1AF5}"/>
-            </a:ext>
-          </a:extLst>
-        </p:cNvPr>
-        <p:cNvGrpSpPr/>
-        <p:nvPr/>
-      </p:nvGrpSpPr>
-      <p:grpSpPr>
-        <a:xfrm>
-          <a:off x="0" y="0"/>
-          <a:ext cx="0" cy="0"/>
-          <a:chOff x="0" y="0"/>
-          <a:chExt cx="0" cy="0"/>
-        </a:xfrm>
-      </p:grpSpPr>
-      <p:sp>
-        <p:nvSpPr>
-          <p:cNvPr id="202" name="PlaceHolder 1">
-            <a:extLst>
-              <a:ext uri="{FF2B5EF4-FFF2-40B4-BE49-F238E27FC236}">
-                <a16:creationId xmlns:a16="http://schemas.microsoft.com/office/drawing/2014/main" id="{485B6341-F11E-E5A7-125C-051B1D60B514}"/>
-              </a:ext>
-            </a:extLst>
-          </p:cNvPr>
-          <p:cNvSpPr>
-            <a:spLocks noGrp="1"/>
-          </p:cNvSpPr>
-          <p:nvPr>
-            <p:ph type="title"/>
-          </p:nvPr>
-        </p:nvSpPr>
-        <p:spPr>
-          <a:xfrm>
-            <a:off x="714240" y="752400"/>
-            <a:ext cx="6724713" cy="1018800"/>
-          </a:xfrm>
-          <a:prstGeom prst="rect">
-            <a:avLst/>
-          </a:prstGeom>
-          <a:noFill/>
-          <a:ln w="0">
-            <a:noFill/>
-          </a:ln>
-        </p:spPr>
-        <p:txBody>
-          <a:bodyPr lIns="91440" tIns="91440" rIns="91440" bIns="91440" anchor="b">
-            <a:noAutofit/>
-          </a:bodyPr>
-          <a:lstStyle/>
-          <a:p>
-            <a:pPr indent="0">
-              <a:lnSpc>
-                <a:spcPct val="100000"/>
-              </a:lnSpc>
-              <a:buNone/>
-              <a:tabLst>
-                <a:tab pos="0" algn="l"/>
-              </a:tabLst>
-            </a:pPr>
-            <a:r>
-              <a:rPr lang="hu-HU" sz="3200" dirty="0">
-                <a:latin typeface="Inter"/>
-              </a:rPr>
-              <a:t>3.2.5.2 Táblák mezői</a:t>
-            </a:r>
-            <a:endParaRPr lang="fr-FR" sz="3000" b="0" strike="noStrike" spc="-1" dirty="0">
-              <a:solidFill>
-                <a:schemeClr val="dk1"/>
-              </a:solidFill>
-              <a:latin typeface="Inter"/>
-            </a:endParaRPr>
-          </a:p>
-        </p:txBody>
-      </p:sp>
-      <p:sp>
-        <p:nvSpPr>
-          <p:cNvPr id="203" name="PlaceHolder 2">
-            <a:extLst>
-              <a:ext uri="{FF2B5EF4-FFF2-40B4-BE49-F238E27FC236}">
-                <a16:creationId xmlns:a16="http://schemas.microsoft.com/office/drawing/2014/main" id="{4E8E1C8C-0245-9C76-9DC5-B62F26F1EB23}"/>
-              </a:ext>
-            </a:extLst>
-          </p:cNvPr>
-          <p:cNvSpPr>
-            <a:spLocks noGrp="1"/>
-          </p:cNvSpPr>
-          <p:nvPr>
-            <p:ph type="subTitle"/>
-          </p:nvPr>
-        </p:nvSpPr>
-        <p:spPr>
-          <a:xfrm>
-            <a:off x="714240" y="2332024"/>
-            <a:ext cx="5026542" cy="1908270"/>
-          </a:xfrm>
-          <a:prstGeom prst="rect">
-            <a:avLst/>
-          </a:prstGeom>
-          <a:noFill/>
-          <a:ln w="0">
-            <a:noFill/>
-          </a:ln>
-        </p:spPr>
-        <p:txBody>
-          <a:bodyPr lIns="91440" tIns="91440" rIns="91440" bIns="91440" anchor="t">
-            <a:normAutofit/>
-          </a:bodyPr>
-          <a:lstStyle/>
-          <a:p>
-            <a:pPr algn="just"/>
-            <a:r>
-              <a:rPr lang="hu-HU" sz="1200" dirty="0" err="1">
-                <a:latin typeface="Raleway" pitchFamily="2" charset="-18"/>
-              </a:rPr>
-              <a:t>uid</a:t>
-            </a:r>
-            <a:r>
-              <a:rPr lang="hu-HU" sz="1200" dirty="0">
-                <a:latin typeface="Raleway" pitchFamily="2" charset="-18"/>
-              </a:rPr>
-              <a:t> – egyedi azonosító</a:t>
-            </a:r>
-          </a:p>
-          <a:p>
-            <a:pPr algn="just"/>
-            <a:r>
-              <a:rPr lang="hu-HU" sz="1200" dirty="0" err="1">
-                <a:latin typeface="Raleway" pitchFamily="2" charset="-18"/>
-              </a:rPr>
-              <a:t>unick</a:t>
-            </a:r>
-            <a:r>
-              <a:rPr lang="hu-HU" sz="1200" dirty="0">
-                <a:latin typeface="Raleway" pitchFamily="2" charset="-18"/>
-              </a:rPr>
-              <a:t> – felhasználónév</a:t>
-            </a:r>
-          </a:p>
-          <a:p>
-            <a:pPr algn="just"/>
-            <a:r>
-              <a:rPr lang="hu-HU" sz="1200" dirty="0" err="1">
-                <a:latin typeface="Raleway" pitchFamily="2" charset="-18"/>
-              </a:rPr>
-              <a:t>uprofkepnev</a:t>
-            </a:r>
-            <a:r>
-              <a:rPr lang="hu-HU" sz="1200" dirty="0">
-                <a:latin typeface="Raleway" pitchFamily="2" charset="-18"/>
-              </a:rPr>
-              <a:t> – a profilkép elmentett neve</a:t>
-            </a:r>
-          </a:p>
-          <a:p>
-            <a:pPr algn="just"/>
-            <a:r>
-              <a:rPr lang="hu-HU" sz="1200" dirty="0" err="1">
-                <a:latin typeface="Raleway" pitchFamily="2" charset="-18"/>
-              </a:rPr>
-              <a:t>ustatusz</a:t>
-            </a:r>
-            <a:r>
-              <a:rPr lang="hu-HU" sz="1200" dirty="0">
-                <a:latin typeface="Raleway" pitchFamily="2" charset="-18"/>
-              </a:rPr>
-              <a:t> – jogosultságok</a:t>
-            </a:r>
-          </a:p>
-          <a:p>
-            <a:pPr algn="just"/>
-            <a:r>
-              <a:rPr lang="hu-HU" sz="1200" dirty="0" err="1">
-                <a:latin typeface="Raleway"/>
-              </a:rPr>
-              <a:t>uosztaly</a:t>
-            </a:r>
-            <a:r>
-              <a:rPr lang="hu-HU" sz="1200" dirty="0">
-                <a:latin typeface="Raleway"/>
-              </a:rPr>
-              <a:t> – osztály lekérése</a:t>
-            </a:r>
-            <a:endParaRPr lang="hu-HU" sz="1200" dirty="0">
-              <a:latin typeface="Raleway" pitchFamily="2" charset="-18"/>
-            </a:endParaRPr>
-          </a:p>
-        </p:txBody>
-      </p:sp>
-      <p:sp>
-        <p:nvSpPr>
-          <p:cNvPr id="4" name="PlaceHolder 1">
-            <a:extLst>
-              <a:ext uri="{FF2B5EF4-FFF2-40B4-BE49-F238E27FC236}">
-                <a16:creationId xmlns:a16="http://schemas.microsoft.com/office/drawing/2014/main" id="{9CF46A52-B1F1-2F3E-418F-C8C3F84F100C}"/>
-              </a:ext>
-            </a:extLst>
-          </p:cNvPr>
-          <p:cNvSpPr txBox="1">
-            <a:spLocks/>
-          </p:cNvSpPr>
-          <p:nvPr/>
-        </p:nvSpPr>
-        <p:spPr>
-          <a:xfrm>
-            <a:off x="714241" y="1888078"/>
-            <a:ext cx="3857759" cy="379281"/>
-          </a:xfrm>
-          <a:prstGeom prst="rect">
-            <a:avLst/>
-          </a:prstGeom>
-          <a:noFill/>
-          <a:ln w="0">
-            <a:noFill/>
-          </a:ln>
-        </p:spPr>
-        <p:txBody>
-          <a:bodyPr lIns="91440" tIns="91440" rIns="91440" bIns="91440" anchor="b">
-            <a:noAutofit/>
-          </a:bodyPr>
-          <a:lstStyle>
-            <a:lvl1pPr algn="l" defTabSz="914400" rtl="0" eaLnBrk="1" latinLnBrk="0" hangingPunct="1">
-              <a:lnSpc>
-                <a:spcPct val="90000"/>
-              </a:lnSpc>
-              <a:spcBef>
-                <a:spcPct val="0"/>
-              </a:spcBef>
-              <a:buNone/>
-              <a:defRPr sz="4400" kern="1200">
-                <a:solidFill>
-                  <a:schemeClr val="tx1"/>
-                </a:solidFill>
-                <a:latin typeface="+mj-lt"/>
-                <a:ea typeface="+mj-ea"/>
-                <a:cs typeface="+mj-cs"/>
-              </a:defRPr>
-            </a:lvl1pPr>
-          </a:lstStyle>
-          <a:p>
-            <a:pPr algn="ctr"/>
-            <a:r>
-              <a:rPr lang="hu-HU" sz="1600" u="sng" dirty="0" err="1">
-                <a:latin typeface="Inter"/>
-              </a:rPr>
-              <a:t>user</a:t>
-            </a:r>
-            <a:r>
-              <a:rPr lang="hu-HU" sz="1600" u="sng" dirty="0">
-                <a:latin typeface="Inter"/>
-              </a:rPr>
-              <a:t> (felhasznált részei)</a:t>
-            </a:r>
-          </a:p>
-        </p:txBody>
-      </p:sp>
-      <p:pic>
-        <p:nvPicPr>
-          <p:cNvPr id="6" name="Kép 5">
-            <a:extLst>
-              <a:ext uri="{FF2B5EF4-FFF2-40B4-BE49-F238E27FC236}">
-                <a16:creationId xmlns:a16="http://schemas.microsoft.com/office/drawing/2014/main" id="{321AE4B0-E2DF-2D72-C537-5C44EB844C5B}"/>
-              </a:ext>
-            </a:extLst>
-          </p:cNvPr>
-          <p:cNvPicPr>
-            <a:picLocks noChangeAspect="1"/>
-          </p:cNvPicPr>
-          <p:nvPr/>
-        </p:nvPicPr>
-        <p:blipFill>
-          <a:blip r:embed="rId2"/>
-          <a:stretch>
-            <a:fillRect/>
-          </a:stretch>
-        </p:blipFill>
-        <p:spPr>
-          <a:xfrm>
-            <a:off x="3339203" y="3552085"/>
-            <a:ext cx="2461318" cy="1303459"/>
-          </a:xfrm>
-          <a:prstGeom prst="rect">
-            <a:avLst/>
-          </a:prstGeom>
-        </p:spPr>
-      </p:pic>
-      <p:pic>
-        <p:nvPicPr>
-          <p:cNvPr id="2" name="Kép 1" descr="A képen szöveg, képernyőkép, Betűtípus, tervezés látható&#10;&#10;Lehet, hogy az AI által létrehozott tartalom helytelen.">
-            <a:extLst>
-              <a:ext uri="{FF2B5EF4-FFF2-40B4-BE49-F238E27FC236}">
-                <a16:creationId xmlns:a16="http://schemas.microsoft.com/office/drawing/2014/main" id="{31FA0440-C69E-CC0B-5851-D94A0CBCA1ED}"/>
-              </a:ext>
-            </a:extLst>
-          </p:cNvPr>
-          <p:cNvPicPr>
-            <a:picLocks noChangeAspect="1"/>
-          </p:cNvPicPr>
-          <p:nvPr/>
-        </p:nvPicPr>
-        <p:blipFill>
-          <a:blip r:embed="rId3"/>
-          <a:stretch>
-            <a:fillRect/>
-          </a:stretch>
-        </p:blipFill>
-        <p:spPr>
-          <a:xfrm>
-            <a:off x="5800725" y="3553106"/>
-            <a:ext cx="591671" cy="1304924"/>
-          </a:xfrm>
-          <a:prstGeom prst="rect">
-            <a:avLst/>
-          </a:prstGeom>
-        </p:spPr>
-      </p:pic>
-    </p:spTree>
-    <p:extLst>
-      <p:ext uri="{BB962C8B-B14F-4D97-AF65-F5344CB8AC3E}">
-        <p14:creationId xmlns:p14="http://schemas.microsoft.com/office/powerpoint/2010/main" val="363762974"/>
-      </p:ext>
-    </p:extLst>
-  </p:cSld>
-  <p:clrMapOvr>
-    <a:masterClrMapping/>
-  </p:clrMapOvr>
-</p:sld>
-</file>
-
-<file path=ppt/slides/slide51.xml><?xml version="1.0" encoding="utf-8"?>
-<p:sld xmlns:a="http://schemas.openxmlformats.org/drawingml/2006/main" xmlns:r="http://schemas.openxmlformats.org/officeDocument/2006/relationships" xmlns:p="http://schemas.openxmlformats.org/presentationml/2006/main">
-  <p:cSld>
-    <p:spTree>
-      <p:nvGrpSpPr>
-        <p:cNvPr id="1" name="">
-          <a:extLst>
-            <a:ext uri="{FF2B5EF4-FFF2-40B4-BE49-F238E27FC236}">
               <a16:creationId xmlns:a16="http://schemas.microsoft.com/office/drawing/2014/main" id="{3F17564C-FF49-396A-DF39-9B56FBFB1789}"/>
             </a:ext>
           </a:extLst>
@@ -15294,7 +15150,7 @@
 </p:sld>
 </file>
 
-<file path=ppt/slides/slide52.xml><?xml version="1.0" encoding="utf-8"?>
+<file path=ppt/slides/slide51.xml><?xml version="1.0" encoding="utf-8"?>
 <p:sld xmlns:a="http://schemas.openxmlformats.org/drawingml/2006/main" xmlns:r="http://schemas.openxmlformats.org/officeDocument/2006/relationships" xmlns:p="http://schemas.openxmlformats.org/presentationml/2006/main">
   <p:cSld>
     <p:spTree>
@@ -15587,7 +15443,7 @@
 </p:sld>
 </file>
 
-<file path=ppt/slides/slide53.xml><?xml version="1.0" encoding="utf-8"?>
+<file path=ppt/slides/slide52.xml><?xml version="1.0" encoding="utf-8"?>
 <p:sld xmlns:a="http://schemas.openxmlformats.org/drawingml/2006/main" xmlns:r="http://schemas.openxmlformats.org/officeDocument/2006/relationships" xmlns:p="http://schemas.openxmlformats.org/presentationml/2006/main">
   <p:cSld>
     <p:spTree>
@@ -15757,7 +15613,7 @@
 </p:sld>
 </file>
 
-<file path=ppt/slides/slide54.xml><?xml version="1.0" encoding="utf-8"?>
+<file path=ppt/slides/slide53.xml><?xml version="1.0" encoding="utf-8"?>
 <p:sld xmlns:a="http://schemas.openxmlformats.org/drawingml/2006/main" xmlns:r="http://schemas.openxmlformats.org/officeDocument/2006/relationships" xmlns:p="http://schemas.openxmlformats.org/presentationml/2006/main">
   <p:cSld>
     <p:spTree>
@@ -15882,7 +15738,7 @@
 </p:sld>
 </file>
 
-<file path=ppt/slides/slide55.xml><?xml version="1.0" encoding="utf-8"?>
+<file path=ppt/slides/slide54.xml><?xml version="1.0" encoding="utf-8"?>
 <p:sld xmlns:a="http://schemas.openxmlformats.org/drawingml/2006/main" xmlns:r="http://schemas.openxmlformats.org/officeDocument/2006/relationships" xmlns:p="http://schemas.openxmlformats.org/presentationml/2006/main">
   <p:cSld>
     <p:spTree>
@@ -16097,7 +15953,7 @@
 </p:sld>
 </file>
 
-<file path=ppt/slides/slide56.xml><?xml version="1.0" encoding="utf-8"?>
+<file path=ppt/slides/slide55.xml><?xml version="1.0" encoding="utf-8"?>
 <p:sld xmlns:a="http://schemas.openxmlformats.org/drawingml/2006/main" xmlns:r="http://schemas.openxmlformats.org/officeDocument/2006/relationships" xmlns:p="http://schemas.openxmlformats.org/presentationml/2006/main">
   <p:cSld>
     <p:spTree>
@@ -16306,7 +16162,7 @@
 </p:sld>
 </file>
 
-<file path=ppt/slides/slide57.xml><?xml version="1.0" encoding="utf-8"?>
+<file path=ppt/slides/slide56.xml><?xml version="1.0" encoding="utf-8"?>
 <p:sld xmlns:a="http://schemas.openxmlformats.org/drawingml/2006/main" xmlns:r="http://schemas.openxmlformats.org/officeDocument/2006/relationships" xmlns:p="http://schemas.openxmlformats.org/presentationml/2006/main">
   <p:cSld>
     <p:spTree>
@@ -16526,7 +16382,7 @@
 </p:sld>
 </file>
 
-<file path=ppt/slides/slide58.xml><?xml version="1.0" encoding="utf-8"?>
+<file path=ppt/slides/slide57.xml><?xml version="1.0" encoding="utf-8"?>
 <p:sld xmlns:a="http://schemas.openxmlformats.org/drawingml/2006/main" xmlns:r="http://schemas.openxmlformats.org/officeDocument/2006/relationships" xmlns:p="http://schemas.openxmlformats.org/presentationml/2006/main">
   <p:cSld>
     <p:spTree>
@@ -16741,7 +16597,7 @@
 </p:sld>
 </file>
 
-<file path=ppt/slides/slide59.xml><?xml version="1.0" encoding="utf-8"?>
+<file path=ppt/slides/slide58.xml><?xml version="1.0" encoding="utf-8"?>
 <p:sld xmlns:a="http://schemas.openxmlformats.org/drawingml/2006/main" xmlns:r="http://schemas.openxmlformats.org/officeDocument/2006/relationships" xmlns:p="http://schemas.openxmlformats.org/presentationml/2006/main">
   <p:cSld>
     <p:spTree>
@@ -17009,6 +16865,215 @@
     <p:extLst>
       <p:ext uri="{BB962C8B-B14F-4D97-AF65-F5344CB8AC3E}">
         <p14:creationId xmlns:p14="http://schemas.microsoft.com/office/powerpoint/2010/main" val="1044646913"/>
+      </p:ext>
+    </p:extLst>
+  </p:cSld>
+  <p:clrMapOvr>
+    <a:masterClrMapping/>
+  </p:clrMapOvr>
+</p:sld>
+</file>
+
+<file path=ppt/slides/slide59.xml><?xml version="1.0" encoding="utf-8"?>
+<p:sld xmlns:a="http://schemas.openxmlformats.org/drawingml/2006/main" xmlns:r="http://schemas.openxmlformats.org/officeDocument/2006/relationships" xmlns:p="http://schemas.openxmlformats.org/presentationml/2006/main">
+  <p:cSld>
+    <p:spTree>
+      <p:nvGrpSpPr>
+        <p:cNvPr id="1" name="">
+          <a:extLst>
+            <a:ext uri="{FF2B5EF4-FFF2-40B4-BE49-F238E27FC236}">
+              <a16:creationId xmlns:a16="http://schemas.microsoft.com/office/drawing/2014/main" id="{3997087E-8033-861B-67D3-83BE09649051}"/>
+            </a:ext>
+          </a:extLst>
+        </p:cNvPr>
+        <p:cNvGrpSpPr/>
+        <p:nvPr/>
+      </p:nvGrpSpPr>
+      <p:grpSpPr>
+        <a:xfrm>
+          <a:off x="0" y="0"/>
+          <a:ext cx="0" cy="0"/>
+          <a:chOff x="0" y="0"/>
+          <a:chExt cx="0" cy="0"/>
+        </a:xfrm>
+      </p:grpSpPr>
+      <p:sp>
+        <p:nvSpPr>
+          <p:cNvPr id="202" name="PlaceHolder 1">
+            <a:extLst>
+              <a:ext uri="{FF2B5EF4-FFF2-40B4-BE49-F238E27FC236}">
+                <a16:creationId xmlns:a16="http://schemas.microsoft.com/office/drawing/2014/main" id="{331D08FF-5990-656F-A15B-3A50208F35E2}"/>
+              </a:ext>
+            </a:extLst>
+          </p:cNvPr>
+          <p:cNvSpPr>
+            <a:spLocks noGrp="1"/>
+          </p:cNvSpPr>
+          <p:nvPr>
+            <p:ph type="title"/>
+          </p:nvPr>
+        </p:nvSpPr>
+        <p:spPr>
+          <a:xfrm>
+            <a:off x="714240" y="752400"/>
+            <a:ext cx="6724713" cy="1018800"/>
+          </a:xfrm>
+          <a:prstGeom prst="rect">
+            <a:avLst/>
+          </a:prstGeom>
+          <a:noFill/>
+          <a:ln w="0">
+            <a:noFill/>
+          </a:ln>
+        </p:spPr>
+        <p:txBody>
+          <a:bodyPr lIns="91440" tIns="91440" rIns="91440" bIns="91440" anchor="b">
+            <a:noAutofit/>
+          </a:bodyPr>
+          <a:lstStyle/>
+          <a:p>
+            <a:pPr indent="0">
+              <a:lnSpc>
+                <a:spcPct val="100000"/>
+              </a:lnSpc>
+              <a:buNone/>
+              <a:tabLst>
+                <a:tab pos="0" algn="l"/>
+              </a:tabLst>
+            </a:pPr>
+            <a:r>
+              <a:rPr lang="hu-HU" sz="3200" dirty="0">
+                <a:latin typeface="Inter"/>
+              </a:rPr>
+              <a:t>3.2.7.2 Hibakezelés</a:t>
+            </a:r>
+            <a:endParaRPr lang="fr-FR" sz="3000" b="0" strike="noStrike" spc="-1" dirty="0">
+              <a:solidFill>
+                <a:schemeClr val="dk1"/>
+              </a:solidFill>
+              <a:latin typeface="Inter"/>
+            </a:endParaRPr>
+          </a:p>
+        </p:txBody>
+      </p:sp>
+      <p:sp>
+        <p:nvSpPr>
+          <p:cNvPr id="203" name="PlaceHolder 2">
+            <a:extLst>
+              <a:ext uri="{FF2B5EF4-FFF2-40B4-BE49-F238E27FC236}">
+                <a16:creationId xmlns:a16="http://schemas.microsoft.com/office/drawing/2014/main" id="{4D537059-8702-E87D-AC1D-08CA11A0AC42}"/>
+              </a:ext>
+            </a:extLst>
+          </p:cNvPr>
+          <p:cNvSpPr>
+            <a:spLocks noGrp="1"/>
+          </p:cNvSpPr>
+          <p:nvPr>
+            <p:ph type="subTitle"/>
+          </p:nvPr>
+        </p:nvSpPr>
+        <p:spPr>
+          <a:xfrm>
+            <a:off x="714240" y="1852602"/>
+            <a:ext cx="5026542" cy="2746898"/>
+          </a:xfrm>
+          <a:prstGeom prst="rect">
+            <a:avLst/>
+          </a:prstGeom>
+          <a:noFill/>
+          <a:ln w="0">
+            <a:noFill/>
+          </a:ln>
+        </p:spPr>
+        <p:txBody>
+          <a:bodyPr lIns="91440" tIns="91440" rIns="91440" bIns="91440" anchor="t">
+            <a:normAutofit/>
+          </a:bodyPr>
+          <a:lstStyle/>
+          <a:p>
+            <a:pPr algn="just"/>
+            <a:r>
+              <a:rPr lang="hu-HU" sz="1200" dirty="0">
+                <a:latin typeface="Raleway" pitchFamily="2" charset="-18"/>
+              </a:rPr>
+              <a:t>Üres mezők ellenőrzése:</a:t>
+            </a:r>
+          </a:p>
+          <a:p>
+            <a:pPr lvl="1" algn="just"/>
+            <a:r>
+              <a:rPr lang="hu-HU" sz="1000" dirty="0">
+                <a:latin typeface="Raleway"/>
+              </a:rPr>
+              <a:t>kötelező mezők figyelése (pl. üzenet)</a:t>
+            </a:r>
+          </a:p>
+          <a:p>
+            <a:pPr lvl="1" algn="just"/>
+            <a:r>
+              <a:rPr lang="hu-HU" sz="1000" dirty="0">
+                <a:latin typeface="Raleway"/>
+              </a:rPr>
+              <a:t>hibajelzés üzenettel / utasítással</a:t>
+            </a:r>
+          </a:p>
+          <a:p>
+            <a:pPr algn="just"/>
+            <a:r>
+              <a:rPr lang="hu-HU" sz="1200" dirty="0">
+                <a:latin typeface="Raleway" pitchFamily="2" charset="-18"/>
+              </a:rPr>
+              <a:t>Osztályválasztás hiánya:</a:t>
+            </a:r>
+          </a:p>
+          <a:p>
+            <a:pPr lvl="1" algn="just"/>
+            <a:r>
+              <a:rPr lang="hu-HU" sz="1000" dirty="0">
+                <a:latin typeface="Raleway"/>
+              </a:rPr>
+              <a:t>profiloldalra irányításfigyelmeztetés: „Az osztály kiválasztása kötelező</a:t>
+            </a:r>
+            <a:r>
+              <a:rPr lang="hu-HU" sz="800" dirty="0">
+                <a:latin typeface="Raleway"/>
+              </a:rPr>
+              <a:t>!”</a:t>
+            </a:r>
+          </a:p>
+          <a:p>
+            <a:pPr algn="just"/>
+            <a:r>
+              <a:rPr lang="hu-HU" sz="1200" dirty="0">
+                <a:latin typeface="Raleway"/>
+              </a:rPr>
+              <a:t>Aktív csevegés:</a:t>
+            </a:r>
+          </a:p>
+          <a:p>
+            <a:pPr lvl="1" algn="just"/>
+            <a:r>
+              <a:rPr lang="hu-HU" sz="800" dirty="0">
+                <a:latin typeface="Raleway"/>
+              </a:rPr>
+              <a:t>Az URL-ben található felhasználói azonosító segítségével ellenőrzés hogy van-e aktív csevegés</a:t>
+            </a:r>
+          </a:p>
+          <a:p>
+            <a:pPr lvl="1" algn="just"/>
+            <a:r>
+              <a:rPr lang="hu-HU" sz="800" dirty="0">
+                <a:latin typeface="Raleway"/>
+              </a:rPr>
+              <a:t>Üres URL esetén a program nem frissíti folyamatosan a csevegés ablakát</a:t>
+            </a:r>
+          </a:p>
+        </p:txBody>
+      </p:sp>
+    </p:spTree>
+    <p:extLst>
+      <p:ext uri="{BB962C8B-B14F-4D97-AF65-F5344CB8AC3E}">
+        <p14:creationId xmlns:p14="http://schemas.microsoft.com/office/powerpoint/2010/main" val="3527955175"/>
       </p:ext>
     </p:extLst>
   </p:cSld>
@@ -17252,215 +17317,6 @@
         <p:cNvPr id="1" name="">
           <a:extLst>
             <a:ext uri="{FF2B5EF4-FFF2-40B4-BE49-F238E27FC236}">
-              <a16:creationId xmlns:a16="http://schemas.microsoft.com/office/drawing/2014/main" id="{3997087E-8033-861B-67D3-83BE09649051}"/>
-            </a:ext>
-          </a:extLst>
-        </p:cNvPr>
-        <p:cNvGrpSpPr/>
-        <p:nvPr/>
-      </p:nvGrpSpPr>
-      <p:grpSpPr>
-        <a:xfrm>
-          <a:off x="0" y="0"/>
-          <a:ext cx="0" cy="0"/>
-          <a:chOff x="0" y="0"/>
-          <a:chExt cx="0" cy="0"/>
-        </a:xfrm>
-      </p:grpSpPr>
-      <p:sp>
-        <p:nvSpPr>
-          <p:cNvPr id="202" name="PlaceHolder 1">
-            <a:extLst>
-              <a:ext uri="{FF2B5EF4-FFF2-40B4-BE49-F238E27FC236}">
-                <a16:creationId xmlns:a16="http://schemas.microsoft.com/office/drawing/2014/main" id="{331D08FF-5990-656F-A15B-3A50208F35E2}"/>
-              </a:ext>
-            </a:extLst>
-          </p:cNvPr>
-          <p:cNvSpPr>
-            <a:spLocks noGrp="1"/>
-          </p:cNvSpPr>
-          <p:nvPr>
-            <p:ph type="title"/>
-          </p:nvPr>
-        </p:nvSpPr>
-        <p:spPr>
-          <a:xfrm>
-            <a:off x="714240" y="752400"/>
-            <a:ext cx="6724713" cy="1018800"/>
-          </a:xfrm>
-          <a:prstGeom prst="rect">
-            <a:avLst/>
-          </a:prstGeom>
-          <a:noFill/>
-          <a:ln w="0">
-            <a:noFill/>
-          </a:ln>
-        </p:spPr>
-        <p:txBody>
-          <a:bodyPr lIns="91440" tIns="91440" rIns="91440" bIns="91440" anchor="b">
-            <a:noAutofit/>
-          </a:bodyPr>
-          <a:lstStyle/>
-          <a:p>
-            <a:pPr indent="0">
-              <a:lnSpc>
-                <a:spcPct val="100000"/>
-              </a:lnSpc>
-              <a:buNone/>
-              <a:tabLst>
-                <a:tab pos="0" algn="l"/>
-              </a:tabLst>
-            </a:pPr>
-            <a:r>
-              <a:rPr lang="hu-HU" sz="3200" dirty="0">
-                <a:latin typeface="Inter"/>
-              </a:rPr>
-              <a:t>3.2.7.2 Hibakezelés</a:t>
-            </a:r>
-            <a:endParaRPr lang="fr-FR" sz="3000" b="0" strike="noStrike" spc="-1" dirty="0">
-              <a:solidFill>
-                <a:schemeClr val="dk1"/>
-              </a:solidFill>
-              <a:latin typeface="Inter"/>
-            </a:endParaRPr>
-          </a:p>
-        </p:txBody>
-      </p:sp>
-      <p:sp>
-        <p:nvSpPr>
-          <p:cNvPr id="203" name="PlaceHolder 2">
-            <a:extLst>
-              <a:ext uri="{FF2B5EF4-FFF2-40B4-BE49-F238E27FC236}">
-                <a16:creationId xmlns:a16="http://schemas.microsoft.com/office/drawing/2014/main" id="{4D537059-8702-E87D-AC1D-08CA11A0AC42}"/>
-              </a:ext>
-            </a:extLst>
-          </p:cNvPr>
-          <p:cNvSpPr>
-            <a:spLocks noGrp="1"/>
-          </p:cNvSpPr>
-          <p:nvPr>
-            <p:ph type="subTitle"/>
-          </p:nvPr>
-        </p:nvSpPr>
-        <p:spPr>
-          <a:xfrm>
-            <a:off x="714240" y="1852602"/>
-            <a:ext cx="5026542" cy="2746898"/>
-          </a:xfrm>
-          <a:prstGeom prst="rect">
-            <a:avLst/>
-          </a:prstGeom>
-          <a:noFill/>
-          <a:ln w="0">
-            <a:noFill/>
-          </a:ln>
-        </p:spPr>
-        <p:txBody>
-          <a:bodyPr lIns="91440" tIns="91440" rIns="91440" bIns="91440" anchor="t">
-            <a:normAutofit/>
-          </a:bodyPr>
-          <a:lstStyle/>
-          <a:p>
-            <a:pPr algn="just"/>
-            <a:r>
-              <a:rPr lang="hu-HU" sz="1200" dirty="0">
-                <a:latin typeface="Raleway" pitchFamily="2" charset="-18"/>
-              </a:rPr>
-              <a:t>Üres mezők ellenőrzése:</a:t>
-            </a:r>
-          </a:p>
-          <a:p>
-            <a:pPr lvl="1" algn="just"/>
-            <a:r>
-              <a:rPr lang="hu-HU" sz="1000" dirty="0">
-                <a:latin typeface="Raleway"/>
-              </a:rPr>
-              <a:t>kötelező mezők figyelése (pl. üzenet)</a:t>
-            </a:r>
-          </a:p>
-          <a:p>
-            <a:pPr lvl="1" algn="just"/>
-            <a:r>
-              <a:rPr lang="hu-HU" sz="1000" dirty="0">
-                <a:latin typeface="Raleway"/>
-              </a:rPr>
-              <a:t>hibajelzés üzenettel / utasítással</a:t>
-            </a:r>
-          </a:p>
-          <a:p>
-            <a:pPr algn="just"/>
-            <a:r>
-              <a:rPr lang="hu-HU" sz="1200" dirty="0">
-                <a:latin typeface="Raleway" pitchFamily="2" charset="-18"/>
-              </a:rPr>
-              <a:t>Osztályválasztás hiánya:</a:t>
-            </a:r>
-          </a:p>
-          <a:p>
-            <a:pPr lvl="1" algn="just"/>
-            <a:r>
-              <a:rPr lang="hu-HU" sz="1000" dirty="0">
-                <a:latin typeface="Raleway"/>
-              </a:rPr>
-              <a:t>profiloldalra irányításfigyelmeztetés: „Az osztály kiválasztása kötelező</a:t>
-            </a:r>
-            <a:r>
-              <a:rPr lang="hu-HU" sz="800" dirty="0">
-                <a:latin typeface="Raleway"/>
-              </a:rPr>
-              <a:t>!”</a:t>
-            </a:r>
-          </a:p>
-          <a:p>
-            <a:pPr algn="just"/>
-            <a:r>
-              <a:rPr lang="hu-HU" sz="1200" dirty="0">
-                <a:latin typeface="Raleway"/>
-              </a:rPr>
-              <a:t>Aktív csevegés:</a:t>
-            </a:r>
-          </a:p>
-          <a:p>
-            <a:pPr lvl="1" algn="just"/>
-            <a:r>
-              <a:rPr lang="hu-HU" sz="800" dirty="0">
-                <a:latin typeface="Raleway"/>
-              </a:rPr>
-              <a:t>Az URL-ben található felhasználói azonosító segítségével ellenőrzés hogy van-e aktív csevegés</a:t>
-            </a:r>
-          </a:p>
-          <a:p>
-            <a:pPr lvl="1" algn="just"/>
-            <a:r>
-              <a:rPr lang="hu-HU" sz="800" dirty="0">
-                <a:latin typeface="Raleway"/>
-              </a:rPr>
-              <a:t>Üres URL esetén a program nem frissíti folyamatosan a csevegés ablakát</a:t>
-            </a:r>
-          </a:p>
-        </p:txBody>
-      </p:sp>
-    </p:spTree>
-    <p:extLst>
-      <p:ext uri="{BB962C8B-B14F-4D97-AF65-F5344CB8AC3E}">
-        <p14:creationId xmlns:p14="http://schemas.microsoft.com/office/powerpoint/2010/main" val="3527955175"/>
-      </p:ext>
-    </p:extLst>
-  </p:cSld>
-  <p:clrMapOvr>
-    <a:masterClrMapping/>
-  </p:clrMapOvr>
-</p:sld>
-</file>
-
-<file path=ppt/slides/slide61.xml><?xml version="1.0" encoding="utf-8"?>
-<p:sld xmlns:a="http://schemas.openxmlformats.org/drawingml/2006/main" xmlns:r="http://schemas.openxmlformats.org/officeDocument/2006/relationships" xmlns:p="http://schemas.openxmlformats.org/presentationml/2006/main">
-  <p:cSld>
-    <p:spTree>
-      <p:nvGrpSpPr>
-        <p:cNvPr id="1" name="">
-          <a:extLst>
-            <a:ext uri="{FF2B5EF4-FFF2-40B4-BE49-F238E27FC236}">
               <a16:creationId xmlns:a16="http://schemas.microsoft.com/office/drawing/2014/main" id="{0684DCE0-E61D-37DE-115D-8AC3D68B061D}"/>
             </a:ext>
           </a:extLst>
@@ -17647,7 +17503,7 @@
 </p:sld>
 </file>
 
-<file path=ppt/slides/slide62.xml><?xml version="1.0" encoding="utf-8"?>
+<file path=ppt/slides/slide61.xml><?xml version="1.0" encoding="utf-8"?>
 <p:sld xmlns:a="http://schemas.openxmlformats.org/drawingml/2006/main" xmlns:r="http://schemas.openxmlformats.org/officeDocument/2006/relationships" xmlns:p="http://schemas.openxmlformats.org/presentationml/2006/main">
   <p:cSld>
     <p:spTree>
@@ -17878,7 +17734,7 @@
 </p:sld>
 </file>
 
-<file path=ppt/slides/slide63.xml><?xml version="1.0" encoding="utf-8"?>
+<file path=ppt/slides/slide62.xml><?xml version="1.0" encoding="utf-8"?>
 <p:sld xmlns:a="http://schemas.openxmlformats.org/drawingml/2006/main" xmlns:r="http://schemas.openxmlformats.org/officeDocument/2006/relationships" xmlns:p="http://schemas.openxmlformats.org/presentationml/2006/main">
   <p:cSld>
     <p:spTree>
@@ -18144,7 +18000,7 @@
 </p:sld>
 </file>
 
-<file path=ppt/slides/slide64.xml><?xml version="1.0" encoding="utf-8"?>
+<file path=ppt/slides/slide63.xml><?xml version="1.0" encoding="utf-8"?>
 <p:sld xmlns:a="http://schemas.openxmlformats.org/drawingml/2006/main" xmlns:r="http://schemas.openxmlformats.org/officeDocument/2006/relationships" xmlns:p="http://schemas.openxmlformats.org/presentationml/2006/main">
   <p:cSld>
     <p:spTree>
